--- a/sci_calc_main/documentation/HLE47-03_parousiasi.pptx
+++ b/sci_calc_main/documentation/HLE47-03_parousiasi.pptx
@@ -5,10 +5,10 @@
     <p:sldMasterId id="2147483672" r:id="rId1"/>
   </p:sldMasterIdLst>
   <p:notesMasterIdLst>
-    <p:notesMasterId r:id="rId28"/>
+    <p:notesMasterId r:id="rId41"/>
   </p:notesMasterIdLst>
   <p:handoutMasterIdLst>
-    <p:handoutMasterId r:id="rId29"/>
+    <p:handoutMasterId r:id="rId42"/>
   </p:handoutMasterIdLst>
   <p:sldIdLst>
     <p:sldId id="256" r:id="rId2"/>
@@ -37,6 +37,19 @@
     <p:sldId id="279" r:id="rId25"/>
     <p:sldId id="280" r:id="rId26"/>
     <p:sldId id="281" r:id="rId27"/>
+    <p:sldId id="284" r:id="rId28"/>
+    <p:sldId id="285" r:id="rId29"/>
+    <p:sldId id="283" r:id="rId30"/>
+    <p:sldId id="286" r:id="rId31"/>
+    <p:sldId id="294" r:id="rId32"/>
+    <p:sldId id="295" r:id="rId33"/>
+    <p:sldId id="288" r:id="rId34"/>
+    <p:sldId id="289" r:id="rId35"/>
+    <p:sldId id="290" r:id="rId36"/>
+    <p:sldId id="291" r:id="rId37"/>
+    <p:sldId id="293" r:id="rId38"/>
+    <p:sldId id="297" r:id="rId39"/>
+    <p:sldId id="296" r:id="rId40"/>
   </p:sldIdLst>
   <p:sldSz cx="12192000" cy="6858000"/>
   <p:notesSz cx="6858000" cy="9144000"/>
@@ -149,7 +162,7 @@
 <file path=ppt/revisionInfo.xml><?xml version="1.0" encoding="utf-8"?>
 <p1510:revInfo xmlns:a="http://schemas.openxmlformats.org/drawingml/2006/main" xmlns:r="http://schemas.openxmlformats.org/officeDocument/2006/relationships" xmlns:p1510="http://schemas.microsoft.com/office/powerpoint/2015/10/main">
   <p1510:revLst>
-    <p1510:client id="{0E19EBBC-76C8-4175-856E-9CD6DDD70504}" v="85" dt="2024-06-11T06:08:56.659"/>
+    <p1510:client id="{0E19EBBC-76C8-4175-856E-9CD6DDD70504}" v="104" dt="2024-06-11T13:26:47.459"/>
   </p1510:revLst>
 </p1510:revInfo>
 </file>
@@ -158,8 +171,8 @@
 <pc:chgInfo xmlns:a="http://schemas.openxmlformats.org/drawingml/2006/main" xmlns:r="http://schemas.openxmlformats.org/officeDocument/2006/relationships" xmlns:ac="http://schemas.microsoft.com/office/drawing/2013/main/command" xmlns:pc="http://schemas.microsoft.com/office/powerpoint/2013/main/command">
   <pc:docChgLst>
     <pc:chgData name="Meletis Konstas" userId="80fb3a933d8d92c8" providerId="LiveId" clId="{0E19EBBC-76C8-4175-856E-9CD6DDD70504}"/>
-    <pc:docChg chg="undo custSel addSld delSld modSld">
-      <pc:chgData name="Meletis Konstas" userId="80fb3a933d8d92c8" providerId="LiveId" clId="{0E19EBBC-76C8-4175-856E-9CD6DDD70504}" dt="2024-06-11T06:10:23.532" v="3386" actId="20577"/>
+    <pc:docChg chg="undo custSel addSld delSld modSld sldOrd">
+      <pc:chgData name="Meletis Konstas" userId="80fb3a933d8d92c8" providerId="LiveId" clId="{0E19EBBC-76C8-4175-856E-9CD6DDD70504}" dt="2024-06-11T13:29:26.342" v="4315"/>
       <pc:docMkLst>
         <pc:docMk/>
       </pc:docMkLst>
@@ -1053,6 +1066,558 @@
             <pc:docMk/>
             <pc:sldMk cId="2343777836" sldId="282"/>
             <ac:spMk id="11" creationId="{DA691C82-96BD-B674-9B05-4EC9B581556C}"/>
+          </ac:spMkLst>
+        </pc:spChg>
+      </pc:sldChg>
+      <pc:sldChg chg="addSp delSp modSp new mod">
+        <pc:chgData name="Meletis Konstas" userId="80fb3a933d8d92c8" providerId="LiveId" clId="{0E19EBBC-76C8-4175-856E-9CD6DDD70504}" dt="2024-06-11T13:10:57.940" v="3543"/>
+        <pc:sldMkLst>
+          <pc:docMk/>
+          <pc:sldMk cId="423180659" sldId="283"/>
+        </pc:sldMkLst>
+        <pc:spChg chg="mod">
+          <ac:chgData name="Meletis Konstas" userId="80fb3a933d8d92c8" providerId="LiveId" clId="{0E19EBBC-76C8-4175-856E-9CD6DDD70504}" dt="2024-06-11T13:05:00.993" v="3423" actId="20577"/>
+          <ac:spMkLst>
+            <pc:docMk/>
+            <pc:sldMk cId="423180659" sldId="283"/>
+            <ac:spMk id="2" creationId="{36ABBA7D-0C38-B14C-43FB-51B8F79C75C7}"/>
+          </ac:spMkLst>
+        </pc:spChg>
+        <pc:spChg chg="del">
+          <ac:chgData name="Meletis Konstas" userId="80fb3a933d8d92c8" providerId="LiveId" clId="{0E19EBBC-76C8-4175-856E-9CD6DDD70504}" dt="2024-06-11T13:10:10.125" v="3451"/>
+          <ac:spMkLst>
+            <pc:docMk/>
+            <pc:sldMk cId="423180659" sldId="283"/>
+            <ac:spMk id="3" creationId="{46851478-CD11-EDA7-8ECB-8A90AEC01968}"/>
+          </ac:spMkLst>
+        </pc:spChg>
+        <pc:spChg chg="mod">
+          <ac:chgData name="Meletis Konstas" userId="80fb3a933d8d92c8" providerId="LiveId" clId="{0E19EBBC-76C8-4175-856E-9CD6DDD70504}" dt="2024-06-11T13:10:51.187" v="3542" actId="313"/>
+          <ac:spMkLst>
+            <pc:docMk/>
+            <pc:sldMk cId="423180659" sldId="283"/>
+            <ac:spMk id="4" creationId="{229F6683-AEA7-FD26-409F-5E265F5798A7}"/>
+          </ac:spMkLst>
+        </pc:spChg>
+        <pc:spChg chg="add mod">
+          <ac:chgData name="Meletis Konstas" userId="80fb3a933d8d92c8" providerId="LiveId" clId="{0E19EBBC-76C8-4175-856E-9CD6DDD70504}" dt="2024-06-11T13:10:57.940" v="3543"/>
+          <ac:spMkLst>
+            <pc:docMk/>
+            <pc:sldMk cId="423180659" sldId="283"/>
+            <ac:spMk id="7" creationId="{64155943-1980-A0B3-721C-2C4BE4B69C79}"/>
+          </ac:spMkLst>
+        </pc:spChg>
+        <pc:picChg chg="add mod">
+          <ac:chgData name="Meletis Konstas" userId="80fb3a933d8d92c8" providerId="LiveId" clId="{0E19EBBC-76C8-4175-856E-9CD6DDD70504}" dt="2024-06-11T13:10:12.207" v="3452" actId="27614"/>
+          <ac:picMkLst>
+            <pc:docMk/>
+            <pc:sldMk cId="423180659" sldId="283"/>
+            <ac:picMk id="6" creationId="{AA5571C2-EF1D-3172-B4B5-FC4FB9F84D07}"/>
+          </ac:picMkLst>
+        </pc:picChg>
+      </pc:sldChg>
+      <pc:sldChg chg="modSp add mod ord">
+        <pc:chgData name="Meletis Konstas" userId="80fb3a933d8d92c8" providerId="LiveId" clId="{0E19EBBC-76C8-4175-856E-9CD6DDD70504}" dt="2024-06-11T13:04:47.922" v="3392" actId="20577"/>
+        <pc:sldMkLst>
+          <pc:docMk/>
+          <pc:sldMk cId="4063436051" sldId="284"/>
+        </pc:sldMkLst>
+        <pc:spChg chg="mod">
+          <ac:chgData name="Meletis Konstas" userId="80fb3a933d8d92c8" providerId="LiveId" clId="{0E19EBBC-76C8-4175-856E-9CD6DDD70504}" dt="2024-06-11T13:04:47.922" v="3392" actId="20577"/>
+          <ac:spMkLst>
+            <pc:docMk/>
+            <pc:sldMk cId="4063436051" sldId="284"/>
+            <ac:spMk id="2" creationId="{7D80E6D0-3A81-630E-29C8-DAD38758732E}"/>
+          </ac:spMkLst>
+        </pc:spChg>
+      </pc:sldChg>
+      <pc:sldChg chg="addSp modSp add mod">
+        <pc:chgData name="Meletis Konstas" userId="80fb3a933d8d92c8" providerId="LiveId" clId="{0E19EBBC-76C8-4175-856E-9CD6DDD70504}" dt="2024-06-11T13:10:03.604" v="3450" actId="1076"/>
+        <pc:sldMkLst>
+          <pc:docMk/>
+          <pc:sldMk cId="1275275526" sldId="285"/>
+        </pc:sldMkLst>
+        <pc:spChg chg="add mod">
+          <ac:chgData name="Meletis Konstas" userId="80fb3a933d8d92c8" providerId="LiveId" clId="{0E19EBBC-76C8-4175-856E-9CD6DDD70504}" dt="2024-06-11T13:10:03.604" v="3450" actId="1076"/>
+          <ac:spMkLst>
+            <pc:docMk/>
+            <pc:sldMk cId="1275275526" sldId="285"/>
+            <ac:spMk id="3" creationId="{F26C55E2-992F-574F-BE42-D1D80B12C578}"/>
+          </ac:spMkLst>
+        </pc:spChg>
+        <pc:spChg chg="mod">
+          <ac:chgData name="Meletis Konstas" userId="80fb3a933d8d92c8" providerId="LiveId" clId="{0E19EBBC-76C8-4175-856E-9CD6DDD70504}" dt="2024-06-11T13:09:53.025" v="3447" actId="313"/>
+          <ac:spMkLst>
+            <pc:docMk/>
+            <pc:sldMk cId="1275275526" sldId="285"/>
+            <ac:spMk id="10" creationId="{C99EAA58-6829-73CE-FA7A-4FF6881DF058}"/>
+          </ac:spMkLst>
+        </pc:spChg>
+      </pc:sldChg>
+      <pc:sldChg chg="addSp delSp modSp new mod">
+        <pc:chgData name="Meletis Konstas" userId="80fb3a933d8d92c8" providerId="LiveId" clId="{0E19EBBC-76C8-4175-856E-9CD6DDD70504}" dt="2024-06-11T13:29:26.342" v="4315"/>
+        <pc:sldMkLst>
+          <pc:docMk/>
+          <pc:sldMk cId="2820983226" sldId="286"/>
+        </pc:sldMkLst>
+        <pc:spChg chg="mod">
+          <ac:chgData name="Meletis Konstas" userId="80fb3a933d8d92c8" providerId="LiveId" clId="{0E19EBBC-76C8-4175-856E-9CD6DDD70504}" dt="2024-06-11T13:29:26.342" v="4315"/>
+          <ac:spMkLst>
+            <pc:docMk/>
+            <pc:sldMk cId="2820983226" sldId="286"/>
+            <ac:spMk id="2" creationId="{8DBB315D-45CF-9D8C-88DE-76956EE8DF73}"/>
+          </ac:spMkLst>
+        </pc:spChg>
+        <pc:spChg chg="del">
+          <ac:chgData name="Meletis Konstas" userId="80fb3a933d8d92c8" providerId="LiveId" clId="{0E19EBBC-76C8-4175-856E-9CD6DDD70504}" dt="2024-06-11T13:11:10.174" v="3545"/>
+          <ac:spMkLst>
+            <pc:docMk/>
+            <pc:sldMk cId="2820983226" sldId="286"/>
+            <ac:spMk id="3" creationId="{A9F3348A-05F4-070E-CE1B-319F80024C70}"/>
+          </ac:spMkLst>
+        </pc:spChg>
+        <pc:spChg chg="mod">
+          <ac:chgData name="Meletis Konstas" userId="80fb3a933d8d92c8" providerId="LiveId" clId="{0E19EBBC-76C8-4175-856E-9CD6DDD70504}" dt="2024-06-11T13:11:41.746" v="3627" actId="313"/>
+          <ac:spMkLst>
+            <pc:docMk/>
+            <pc:sldMk cId="2820983226" sldId="286"/>
+            <ac:spMk id="4" creationId="{2FDEB908-8069-F4C0-666D-3D723DE8FADB}"/>
+          </ac:spMkLst>
+        </pc:spChg>
+        <pc:spChg chg="add mod">
+          <ac:chgData name="Meletis Konstas" userId="80fb3a933d8d92c8" providerId="LiveId" clId="{0E19EBBC-76C8-4175-856E-9CD6DDD70504}" dt="2024-06-11T13:12:00.943" v="3638" actId="1076"/>
+          <ac:spMkLst>
+            <pc:docMk/>
+            <pc:sldMk cId="2820983226" sldId="286"/>
+            <ac:spMk id="7" creationId="{E4E3EBDD-9A93-4A30-739A-90B81659CD57}"/>
+          </ac:spMkLst>
+        </pc:spChg>
+        <pc:picChg chg="add mod">
+          <ac:chgData name="Meletis Konstas" userId="80fb3a933d8d92c8" providerId="LiveId" clId="{0E19EBBC-76C8-4175-856E-9CD6DDD70504}" dt="2024-06-11T13:11:12.038" v="3546" actId="27614"/>
+          <ac:picMkLst>
+            <pc:docMk/>
+            <pc:sldMk cId="2820983226" sldId="286"/>
+            <ac:picMk id="6" creationId="{B92111FA-7440-89DF-8BD8-ED79541A4DA2}"/>
+          </ac:picMkLst>
+        </pc:picChg>
+      </pc:sldChg>
+      <pc:sldChg chg="addSp delSp modSp new del mod">
+        <pc:chgData name="Meletis Konstas" userId="80fb3a933d8d92c8" providerId="LiveId" clId="{0E19EBBC-76C8-4175-856E-9CD6DDD70504}" dt="2024-06-11T13:23:27.378" v="4034" actId="47"/>
+        <pc:sldMkLst>
+          <pc:docMk/>
+          <pc:sldMk cId="2130142515" sldId="287"/>
+        </pc:sldMkLst>
+        <pc:spChg chg="del">
+          <ac:chgData name="Meletis Konstas" userId="80fb3a933d8d92c8" providerId="LiveId" clId="{0E19EBBC-76C8-4175-856E-9CD6DDD70504}" dt="2024-06-11T13:11:50.991" v="3629"/>
+          <ac:spMkLst>
+            <pc:docMk/>
+            <pc:sldMk cId="2130142515" sldId="287"/>
+            <ac:spMk id="3" creationId="{C31E345E-D8B6-7F99-FA99-E2E93050B0BC}"/>
+          </ac:spMkLst>
+        </pc:spChg>
+        <pc:spChg chg="mod">
+          <ac:chgData name="Meletis Konstas" userId="80fb3a933d8d92c8" providerId="LiveId" clId="{0E19EBBC-76C8-4175-856E-9CD6DDD70504}" dt="2024-06-11T13:19:48.285" v="3905" actId="20577"/>
+          <ac:spMkLst>
+            <pc:docMk/>
+            <pc:sldMk cId="2130142515" sldId="287"/>
+            <ac:spMk id="4" creationId="{21E4970F-A2A4-EEEB-2D98-8902FA4FF592}"/>
+          </ac:spMkLst>
+        </pc:spChg>
+        <pc:spChg chg="add del">
+          <ac:chgData name="Meletis Konstas" userId="80fb3a933d8d92c8" providerId="LiveId" clId="{0E19EBBC-76C8-4175-856E-9CD6DDD70504}" dt="2024-06-11T13:18:43.151" v="3891" actId="22"/>
+          <ac:spMkLst>
+            <pc:docMk/>
+            <pc:sldMk cId="2130142515" sldId="287"/>
+            <ac:spMk id="8" creationId="{A20BA193-114E-7559-C422-87C9460F9275}"/>
+          </ac:spMkLst>
+        </pc:spChg>
+        <pc:spChg chg="add mod">
+          <ac:chgData name="Meletis Konstas" userId="80fb3a933d8d92c8" providerId="LiveId" clId="{0E19EBBC-76C8-4175-856E-9CD6DDD70504}" dt="2024-06-11T13:18:52.409" v="3894" actId="1076"/>
+          <ac:spMkLst>
+            <pc:docMk/>
+            <pc:sldMk cId="2130142515" sldId="287"/>
+            <ac:spMk id="9" creationId="{1072E769-1EC9-137A-BC5C-13E2E2CB8646}"/>
+          </ac:spMkLst>
+        </pc:spChg>
+        <pc:picChg chg="add mod">
+          <ac:chgData name="Meletis Konstas" userId="80fb3a933d8d92c8" providerId="LiveId" clId="{0E19EBBC-76C8-4175-856E-9CD6DDD70504}" dt="2024-06-11T13:11:51.755" v="3630" actId="27614"/>
+          <ac:picMkLst>
+            <pc:docMk/>
+            <pc:sldMk cId="2130142515" sldId="287"/>
+            <ac:picMk id="6" creationId="{5DB742B1-A56A-9B76-5301-DA8C5DA17D14}"/>
+          </ac:picMkLst>
+        </pc:picChg>
+      </pc:sldChg>
+      <pc:sldChg chg="addSp delSp modSp add mod">
+        <pc:chgData name="Meletis Konstas" userId="80fb3a933d8d92c8" providerId="LiveId" clId="{0E19EBBC-76C8-4175-856E-9CD6DDD70504}" dt="2024-06-11T13:29:08.186" v="4309"/>
+        <pc:sldMkLst>
+          <pc:docMk/>
+          <pc:sldMk cId="2160505013" sldId="288"/>
+        </pc:sldMkLst>
+        <pc:spChg chg="mod">
+          <ac:chgData name="Meletis Konstas" userId="80fb3a933d8d92c8" providerId="LiveId" clId="{0E19EBBC-76C8-4175-856E-9CD6DDD70504}" dt="2024-06-11T13:29:08.186" v="4309"/>
+          <ac:spMkLst>
+            <pc:docMk/>
+            <pc:sldMk cId="2160505013" sldId="288"/>
+            <ac:spMk id="2" creationId="{04272772-73E7-9D2D-4707-A753D15C3A28}"/>
+          </ac:spMkLst>
+        </pc:spChg>
+        <pc:spChg chg="add del mod">
+          <ac:chgData name="Meletis Konstas" userId="80fb3a933d8d92c8" providerId="LiveId" clId="{0E19EBBC-76C8-4175-856E-9CD6DDD70504}" dt="2024-06-11T13:25:15.083" v="4063" actId="21"/>
+          <ac:spMkLst>
+            <pc:docMk/>
+            <pc:sldMk cId="2160505013" sldId="288"/>
+            <ac:spMk id="3" creationId="{DFCCBBF9-A0BD-1FB1-9807-C9F219D0014B}"/>
+          </ac:spMkLst>
+        </pc:spChg>
+        <pc:spChg chg="mod">
+          <ac:chgData name="Meletis Konstas" userId="80fb3a933d8d92c8" providerId="LiveId" clId="{0E19EBBC-76C8-4175-856E-9CD6DDD70504}" dt="2024-06-11T13:16:46.014" v="3765" actId="313"/>
+          <ac:spMkLst>
+            <pc:docMk/>
+            <pc:sldMk cId="2160505013" sldId="288"/>
+            <ac:spMk id="4" creationId="{21E4970F-A2A4-EEEB-2D98-8902FA4FF592}"/>
+          </ac:spMkLst>
+        </pc:spChg>
+        <pc:spChg chg="add del mod">
+          <ac:chgData name="Meletis Konstas" userId="80fb3a933d8d92c8" providerId="LiveId" clId="{0E19EBBC-76C8-4175-856E-9CD6DDD70504}" dt="2024-06-11T13:24:11.294" v="4039" actId="478"/>
+          <ac:spMkLst>
+            <pc:docMk/>
+            <pc:sldMk cId="2160505013" sldId="288"/>
+            <ac:spMk id="8" creationId="{A2DBFF40-4A3C-1CDB-F08B-BD068FF9556A}"/>
+          </ac:spMkLst>
+        </pc:spChg>
+        <pc:spChg chg="add del mod">
+          <ac:chgData name="Meletis Konstas" userId="80fb3a933d8d92c8" providerId="LiveId" clId="{0E19EBBC-76C8-4175-856E-9CD6DDD70504}" dt="2024-06-11T13:24:36.853" v="4043" actId="478"/>
+          <ac:spMkLst>
+            <pc:docMk/>
+            <pc:sldMk cId="2160505013" sldId="288"/>
+            <ac:spMk id="10" creationId="{AA2012F2-3EDC-21F1-0147-EB1F32DFA405}"/>
+          </ac:spMkLst>
+        </pc:spChg>
+        <pc:spChg chg="add del mod">
+          <ac:chgData name="Meletis Konstas" userId="80fb3a933d8d92c8" providerId="LiveId" clId="{0E19EBBC-76C8-4175-856E-9CD6DDD70504}" dt="2024-06-11T13:24:43.085" v="4047" actId="478"/>
+          <ac:spMkLst>
+            <pc:docMk/>
+            <pc:sldMk cId="2160505013" sldId="288"/>
+            <ac:spMk id="12" creationId="{F6457D0E-DE64-6D14-9F9F-B5142BFC4A37}"/>
+          </ac:spMkLst>
+        </pc:spChg>
+        <pc:spChg chg="add del mod">
+          <ac:chgData name="Meletis Konstas" userId="80fb3a933d8d92c8" providerId="LiveId" clId="{0E19EBBC-76C8-4175-856E-9CD6DDD70504}" dt="2024-06-11T13:24:46.957" v="4050"/>
+          <ac:spMkLst>
+            <pc:docMk/>
+            <pc:sldMk cId="2160505013" sldId="288"/>
+            <ac:spMk id="14" creationId="{E9DEC3C4-E931-859F-58F7-7670C8256BF5}"/>
+          </ac:spMkLst>
+        </pc:spChg>
+        <pc:spChg chg="add del mod">
+          <ac:chgData name="Meletis Konstas" userId="80fb3a933d8d92c8" providerId="LiveId" clId="{0E19EBBC-76C8-4175-856E-9CD6DDD70504}" dt="2024-06-11T13:24:57.079" v="4055" actId="478"/>
+          <ac:spMkLst>
+            <pc:docMk/>
+            <pc:sldMk cId="2160505013" sldId="288"/>
+            <ac:spMk id="17" creationId="{DD37A321-87CD-307C-9F6C-3B5A37386BA3}"/>
+          </ac:spMkLst>
+        </pc:spChg>
+        <pc:spChg chg="add del mod">
+          <ac:chgData name="Meletis Konstas" userId="80fb3a933d8d92c8" providerId="LiveId" clId="{0E19EBBC-76C8-4175-856E-9CD6DDD70504}" dt="2024-06-11T13:25:07.329" v="4056"/>
+          <ac:spMkLst>
+            <pc:docMk/>
+            <pc:sldMk cId="2160505013" sldId="288"/>
+            <ac:spMk id="19" creationId="{35222DDD-B4F1-A413-1538-69825649B684}"/>
+          </ac:spMkLst>
+        </pc:spChg>
+        <pc:spChg chg="add mod">
+          <ac:chgData name="Meletis Konstas" userId="80fb3a933d8d92c8" providerId="LiveId" clId="{0E19EBBC-76C8-4175-856E-9CD6DDD70504}" dt="2024-06-11T13:25:20.724" v="4071" actId="1036"/>
+          <ac:spMkLst>
+            <pc:docMk/>
+            <pc:sldMk cId="2160505013" sldId="288"/>
+            <ac:spMk id="23" creationId="{DFCCBBF9-A0BD-1FB1-9807-C9F219D0014B}"/>
+          </ac:spMkLst>
+        </pc:spChg>
+        <pc:picChg chg="add mod">
+          <ac:chgData name="Meletis Konstas" userId="80fb3a933d8d92c8" providerId="LiveId" clId="{0E19EBBC-76C8-4175-856E-9CD6DDD70504}" dt="2024-06-11T13:24:38.224" v="4045"/>
+          <ac:picMkLst>
+            <pc:docMk/>
+            <pc:sldMk cId="2160505013" sldId="288"/>
+            <ac:picMk id="5" creationId="{884A9D64-29D0-BA92-97CB-E621C7A3DE3E}"/>
+          </ac:picMkLst>
+        </pc:picChg>
+        <pc:picChg chg="add del">
+          <ac:chgData name="Meletis Konstas" userId="80fb3a933d8d92c8" providerId="LiveId" clId="{0E19EBBC-76C8-4175-856E-9CD6DDD70504}" dt="2024-06-11T13:24:45.851" v="4049" actId="478"/>
+          <ac:picMkLst>
+            <pc:docMk/>
+            <pc:sldMk cId="2160505013" sldId="288"/>
+            <ac:picMk id="6" creationId="{5DB742B1-A56A-9B76-5301-DA8C5DA17D14}"/>
+          </ac:picMkLst>
+        </pc:picChg>
+        <pc:picChg chg="add del mod">
+          <ac:chgData name="Meletis Konstas" userId="80fb3a933d8d92c8" providerId="LiveId" clId="{0E19EBBC-76C8-4175-856E-9CD6DDD70504}" dt="2024-06-11T13:24:52.377" v="4053" actId="478"/>
+          <ac:picMkLst>
+            <pc:docMk/>
+            <pc:sldMk cId="2160505013" sldId="288"/>
+            <ac:picMk id="15" creationId="{34BAC9FF-AE20-1D99-4E6A-979040DF874C}"/>
+          </ac:picMkLst>
+        </pc:picChg>
+        <pc:picChg chg="add mod">
+          <ac:chgData name="Meletis Konstas" userId="80fb3a933d8d92c8" providerId="LiveId" clId="{0E19EBBC-76C8-4175-856E-9CD6DDD70504}" dt="2024-06-11T13:25:08.531" v="4058" actId="962"/>
+          <ac:picMkLst>
+            <pc:docMk/>
+            <pc:sldMk cId="2160505013" sldId="288"/>
+            <ac:picMk id="21" creationId="{3D55BFEB-32BF-FE14-C1A7-FACD494905C9}"/>
+          </ac:picMkLst>
+        </pc:picChg>
+        <pc:picChg chg="add del mod">
+          <ac:chgData name="Meletis Konstas" userId="80fb3a933d8d92c8" providerId="LiveId" clId="{0E19EBBC-76C8-4175-856E-9CD6DDD70504}" dt="2024-06-11T13:25:13.683" v="4062" actId="478"/>
+          <ac:picMkLst>
+            <pc:docMk/>
+            <pc:sldMk cId="2160505013" sldId="288"/>
+            <ac:picMk id="22" creationId="{5242983F-1C5B-2992-7ACD-E4E6CE6353E6}"/>
+          </ac:picMkLst>
+        </pc:picChg>
+      </pc:sldChg>
+      <pc:sldChg chg="add ord">
+        <pc:chgData name="Meletis Konstas" userId="80fb3a933d8d92c8" providerId="LiveId" clId="{0E19EBBC-76C8-4175-856E-9CD6DDD70504}" dt="2024-06-11T13:17:15.808" v="3769"/>
+        <pc:sldMkLst>
+          <pc:docMk/>
+          <pc:sldMk cId="3234697206" sldId="289"/>
+        </pc:sldMkLst>
+      </pc:sldChg>
+      <pc:sldChg chg="modSp add mod ord replId">
+        <pc:chgData name="Meletis Konstas" userId="80fb3a933d8d92c8" providerId="LiveId" clId="{0E19EBBC-76C8-4175-856E-9CD6DDD70504}" dt="2024-06-11T13:29:10.030" v="4310"/>
+        <pc:sldMkLst>
+          <pc:docMk/>
+          <pc:sldMk cId="3917448621" sldId="290"/>
+        </pc:sldMkLst>
+        <pc:spChg chg="mod">
+          <ac:chgData name="Meletis Konstas" userId="80fb3a933d8d92c8" providerId="LiveId" clId="{0E19EBBC-76C8-4175-856E-9CD6DDD70504}" dt="2024-06-11T13:29:10.030" v="4310"/>
+          <ac:spMkLst>
+            <pc:docMk/>
+            <pc:sldMk cId="3917448621" sldId="290"/>
+            <ac:spMk id="2" creationId="{8DBB315D-45CF-9D8C-88DE-76956EE8DF73}"/>
+          </ac:spMkLst>
+        </pc:spChg>
+        <pc:spChg chg="mod">
+          <ac:chgData name="Meletis Konstas" userId="80fb3a933d8d92c8" providerId="LiveId" clId="{0E19EBBC-76C8-4175-856E-9CD6DDD70504}" dt="2024-06-11T13:17:34.619" v="3779" actId="20577"/>
+          <ac:spMkLst>
+            <pc:docMk/>
+            <pc:sldMk cId="3917448621" sldId="290"/>
+            <ac:spMk id="4" creationId="{2FDEB908-8069-F4C0-666D-3D723DE8FADB}"/>
+          </ac:spMkLst>
+        </pc:spChg>
+        <pc:spChg chg="mod">
+          <ac:chgData name="Meletis Konstas" userId="80fb3a933d8d92c8" providerId="LiveId" clId="{0E19EBBC-76C8-4175-856E-9CD6DDD70504}" dt="2024-06-11T13:17:30.537" v="3770" actId="1076"/>
+          <ac:spMkLst>
+            <pc:docMk/>
+            <pc:sldMk cId="3917448621" sldId="290"/>
+            <ac:spMk id="7" creationId="{E4E3EBDD-9A93-4A30-739A-90B81659CD57}"/>
+          </ac:spMkLst>
+        </pc:spChg>
+      </pc:sldChg>
+      <pc:sldChg chg="addSp modSp add mod ord replId">
+        <pc:chgData name="Meletis Konstas" userId="80fb3a933d8d92c8" providerId="LiveId" clId="{0E19EBBC-76C8-4175-856E-9CD6DDD70504}" dt="2024-06-11T13:29:10.998" v="4311"/>
+        <pc:sldMkLst>
+          <pc:docMk/>
+          <pc:sldMk cId="2705277422" sldId="291"/>
+        </pc:sldMkLst>
+        <pc:spChg chg="mod">
+          <ac:chgData name="Meletis Konstas" userId="80fb3a933d8d92c8" providerId="LiveId" clId="{0E19EBBC-76C8-4175-856E-9CD6DDD70504}" dt="2024-06-11T13:29:10.998" v="4311"/>
+          <ac:spMkLst>
+            <pc:docMk/>
+            <pc:sldMk cId="2705277422" sldId="291"/>
+            <ac:spMk id="2" creationId="{04272772-73E7-9D2D-4707-A753D15C3A28}"/>
+          </ac:spMkLst>
+        </pc:spChg>
+        <pc:spChg chg="add mod">
+          <ac:chgData name="Meletis Konstas" userId="80fb3a933d8d92c8" providerId="LiveId" clId="{0E19EBBC-76C8-4175-856E-9CD6DDD70504}" dt="2024-06-11T13:21:19.643" v="3916" actId="1076"/>
+          <ac:spMkLst>
+            <pc:docMk/>
+            <pc:sldMk cId="2705277422" sldId="291"/>
+            <ac:spMk id="3" creationId="{3BFD5617-CB5B-12CF-DA88-F8DE223CF883}"/>
+          </ac:spMkLst>
+        </pc:spChg>
+        <pc:spChg chg="mod">
+          <ac:chgData name="Meletis Konstas" userId="80fb3a933d8d92c8" providerId="LiveId" clId="{0E19EBBC-76C8-4175-856E-9CD6DDD70504}" dt="2024-06-11T13:21:07.712" v="3914" actId="20577"/>
+          <ac:spMkLst>
+            <pc:docMk/>
+            <pc:sldMk cId="2705277422" sldId="291"/>
+            <ac:spMk id="4" creationId="{21E4970F-A2A4-EEEB-2D98-8902FA4FF592}"/>
+          </ac:spMkLst>
+        </pc:spChg>
+      </pc:sldChg>
+      <pc:sldChg chg="add del ord">
+        <pc:chgData name="Meletis Konstas" userId="80fb3a933d8d92c8" providerId="LiveId" clId="{0E19EBBC-76C8-4175-856E-9CD6DDD70504}" dt="2024-06-11T13:22:48.842" v="4032" actId="2696"/>
+        <pc:sldMkLst>
+          <pc:docMk/>
+          <pc:sldMk cId="505896892" sldId="292"/>
+        </pc:sldMkLst>
+      </pc:sldChg>
+      <pc:sldChg chg="modSp add del mod">
+        <pc:chgData name="Meletis Konstas" userId="80fb3a933d8d92c8" providerId="LiveId" clId="{0E19EBBC-76C8-4175-856E-9CD6DDD70504}" dt="2024-06-11T13:19:12.878" v="3897" actId="2696"/>
+        <pc:sldMkLst>
+          <pc:docMk/>
+          <pc:sldMk cId="4073910099" sldId="292"/>
+        </pc:sldMkLst>
+        <pc:spChg chg="mod">
+          <ac:chgData name="Meletis Konstas" userId="80fb3a933d8d92c8" providerId="LiveId" clId="{0E19EBBC-76C8-4175-856E-9CD6DDD70504}" dt="2024-06-11T13:19:01.800" v="3896" actId="5793"/>
+          <ac:spMkLst>
+            <pc:docMk/>
+            <pc:sldMk cId="4073910099" sldId="292"/>
+            <ac:spMk id="4" creationId="{21E4970F-A2A4-EEEB-2D98-8902FA4FF592}"/>
+          </ac:spMkLst>
+        </pc:spChg>
+      </pc:sldChg>
+      <pc:sldChg chg="addSp delSp modSp new mod">
+        <pc:chgData name="Meletis Konstas" userId="80fb3a933d8d92c8" providerId="LiveId" clId="{0E19EBBC-76C8-4175-856E-9CD6DDD70504}" dt="2024-06-11T13:29:12.055" v="4312"/>
+        <pc:sldMkLst>
+          <pc:docMk/>
+          <pc:sldMk cId="55062380" sldId="293"/>
+        </pc:sldMkLst>
+        <pc:spChg chg="mod">
+          <ac:chgData name="Meletis Konstas" userId="80fb3a933d8d92c8" providerId="LiveId" clId="{0E19EBBC-76C8-4175-856E-9CD6DDD70504}" dt="2024-06-11T13:29:12.055" v="4312"/>
+          <ac:spMkLst>
+            <pc:docMk/>
+            <pc:sldMk cId="55062380" sldId="293"/>
+            <ac:spMk id="2" creationId="{E01A2AF9-AFA0-D3F2-DCF1-1E6E9868B5BC}"/>
+          </ac:spMkLst>
+        </pc:spChg>
+        <pc:spChg chg="del">
+          <ac:chgData name="Meletis Konstas" userId="80fb3a933d8d92c8" providerId="LiveId" clId="{0E19EBBC-76C8-4175-856E-9CD6DDD70504}" dt="2024-06-11T13:21:23.484" v="3917"/>
+          <ac:spMkLst>
+            <pc:docMk/>
+            <pc:sldMk cId="55062380" sldId="293"/>
+            <ac:spMk id="3" creationId="{303B8AEC-4567-10B4-1128-4271444C1A94}"/>
+          </ac:spMkLst>
+        </pc:spChg>
+        <pc:spChg chg="mod">
+          <ac:chgData name="Meletis Konstas" userId="80fb3a933d8d92c8" providerId="LiveId" clId="{0E19EBBC-76C8-4175-856E-9CD6DDD70504}" dt="2024-06-11T13:22:39.174" v="4031" actId="6549"/>
+          <ac:spMkLst>
+            <pc:docMk/>
+            <pc:sldMk cId="55062380" sldId="293"/>
+            <ac:spMk id="4" creationId="{22155380-2DBE-C53F-31FA-1155D3ECF596}"/>
+          </ac:spMkLst>
+        </pc:spChg>
+        <pc:spChg chg="add mod">
+          <ac:chgData name="Meletis Konstas" userId="80fb3a933d8d92c8" providerId="LiveId" clId="{0E19EBBC-76C8-4175-856E-9CD6DDD70504}" dt="2024-06-11T13:22:08.736" v="4004"/>
+          <ac:spMkLst>
+            <pc:docMk/>
+            <pc:sldMk cId="55062380" sldId="293"/>
+            <ac:spMk id="7" creationId="{021CE4FD-FD7C-DA78-EF99-D48E59988C1C}"/>
+          </ac:spMkLst>
+        </pc:spChg>
+        <pc:picChg chg="add mod">
+          <ac:chgData name="Meletis Konstas" userId="80fb3a933d8d92c8" providerId="LiveId" clId="{0E19EBBC-76C8-4175-856E-9CD6DDD70504}" dt="2024-06-11T13:21:24.676" v="3918" actId="27614"/>
+          <ac:picMkLst>
+            <pc:docMk/>
+            <pc:sldMk cId="55062380" sldId="293"/>
+            <ac:picMk id="6" creationId="{E6F43D57-6BF7-C373-DC4F-840AC59DE8DF}"/>
+          </ac:picMkLst>
+        </pc:picChg>
+      </pc:sldChg>
+      <pc:sldChg chg="modSp add mod">
+        <pc:chgData name="Meletis Konstas" userId="80fb3a933d8d92c8" providerId="LiveId" clId="{0E19EBBC-76C8-4175-856E-9CD6DDD70504}" dt="2024-06-11T13:29:06.138" v="4307"/>
+        <pc:sldMkLst>
+          <pc:docMk/>
+          <pc:sldMk cId="1983682865" sldId="294"/>
+        </pc:sldMkLst>
+        <pc:spChg chg="mod">
+          <ac:chgData name="Meletis Konstas" userId="80fb3a933d8d92c8" providerId="LiveId" clId="{0E19EBBC-76C8-4175-856E-9CD6DDD70504}" dt="2024-06-11T13:29:06.138" v="4307"/>
+          <ac:spMkLst>
+            <pc:docMk/>
+            <pc:sldMk cId="1983682865" sldId="294"/>
+            <ac:spMk id="2" creationId="{04272772-73E7-9D2D-4707-A753D15C3A28}"/>
+          </ac:spMkLst>
+        </pc:spChg>
+        <pc:spChg chg="mod">
+          <ac:chgData name="Meletis Konstas" userId="80fb3a933d8d92c8" providerId="LiveId" clId="{0E19EBBC-76C8-4175-856E-9CD6DDD70504}" dt="2024-06-11T13:23:37.293" v="4035" actId="6549"/>
+          <ac:spMkLst>
+            <pc:docMk/>
+            <pc:sldMk cId="1983682865" sldId="294"/>
+            <ac:spMk id="4" creationId="{21E4970F-A2A4-EEEB-2D98-8902FA4FF592}"/>
+          </ac:spMkLst>
+        </pc:spChg>
+      </pc:sldChg>
+      <pc:sldChg chg="modSp add mod">
+        <pc:chgData name="Meletis Konstas" userId="80fb3a933d8d92c8" providerId="LiveId" clId="{0E19EBBC-76C8-4175-856E-9CD6DDD70504}" dt="2024-06-11T13:29:07.173" v="4308"/>
+        <pc:sldMkLst>
+          <pc:docMk/>
+          <pc:sldMk cId="2250646565" sldId="295"/>
+        </pc:sldMkLst>
+        <pc:spChg chg="mod">
+          <ac:chgData name="Meletis Konstas" userId="80fb3a933d8d92c8" providerId="LiveId" clId="{0E19EBBC-76C8-4175-856E-9CD6DDD70504}" dt="2024-06-11T13:29:07.173" v="4308"/>
+          <ac:spMkLst>
+            <pc:docMk/>
+            <pc:sldMk cId="2250646565" sldId="295"/>
+            <ac:spMk id="2" creationId="{E01A2AF9-AFA0-D3F2-DCF1-1E6E9868B5BC}"/>
+          </ac:spMkLst>
+        </pc:spChg>
+      </pc:sldChg>
+      <pc:sldChg chg="addSp delSp modSp new mod">
+        <pc:chgData name="Meletis Konstas" userId="80fb3a933d8d92c8" providerId="LiveId" clId="{0E19EBBC-76C8-4175-856E-9CD6DDD70504}" dt="2024-06-11T13:29:14.103" v="4314"/>
+        <pc:sldMkLst>
+          <pc:docMk/>
+          <pc:sldMk cId="284489981" sldId="296"/>
+        </pc:sldMkLst>
+        <pc:spChg chg="mod">
+          <ac:chgData name="Meletis Konstas" userId="80fb3a933d8d92c8" providerId="LiveId" clId="{0E19EBBC-76C8-4175-856E-9CD6DDD70504}" dt="2024-06-11T13:29:14.103" v="4314"/>
+          <ac:spMkLst>
+            <pc:docMk/>
+            <pc:sldMk cId="284489981" sldId="296"/>
+            <ac:spMk id="2" creationId="{3DA7A16F-7919-035E-89FA-5127168A28B5}"/>
+          </ac:spMkLst>
+        </pc:spChg>
+        <pc:spChg chg="del">
+          <ac:chgData name="Meletis Konstas" userId="80fb3a933d8d92c8" providerId="LiveId" clId="{0E19EBBC-76C8-4175-856E-9CD6DDD70504}" dt="2024-06-11T13:26:47.459" v="4148"/>
+          <ac:spMkLst>
+            <pc:docMk/>
+            <pc:sldMk cId="284489981" sldId="296"/>
+            <ac:spMk id="3" creationId="{8E7909A9-0ADD-8470-A838-2CED93A3D674}"/>
+          </ac:spMkLst>
+        </pc:spChg>
+        <pc:spChg chg="mod">
+          <ac:chgData name="Meletis Konstas" userId="80fb3a933d8d92c8" providerId="LiveId" clId="{0E19EBBC-76C8-4175-856E-9CD6DDD70504}" dt="2024-06-11T13:28:51.437" v="4306" actId="2711"/>
+          <ac:spMkLst>
+            <pc:docMk/>
+            <pc:sldMk cId="284489981" sldId="296"/>
+            <ac:spMk id="4" creationId="{358975B9-E05B-6E5C-D1F3-099C4C1CDB55}"/>
+          </ac:spMkLst>
+        </pc:spChg>
+        <pc:picChg chg="add mod">
+          <ac:chgData name="Meletis Konstas" userId="80fb3a933d8d92c8" providerId="LiveId" clId="{0E19EBBC-76C8-4175-856E-9CD6DDD70504}" dt="2024-06-11T13:26:49.230" v="4150" actId="27614"/>
+          <ac:picMkLst>
+            <pc:docMk/>
+            <pc:sldMk cId="284489981" sldId="296"/>
+            <ac:picMk id="6" creationId="{F7B863F6-14DD-701E-6372-7837D89128AC}"/>
+          </ac:picMkLst>
+        </pc:picChg>
+      </pc:sldChg>
+      <pc:sldChg chg="modSp add mod">
+        <pc:chgData name="Meletis Konstas" userId="80fb3a933d8d92c8" providerId="LiveId" clId="{0E19EBBC-76C8-4175-856E-9CD6DDD70504}" dt="2024-06-11T13:29:13.090" v="4313"/>
+        <pc:sldMkLst>
+          <pc:docMk/>
+          <pc:sldMk cId="2409134714" sldId="297"/>
+        </pc:sldMkLst>
+        <pc:spChg chg="mod">
+          <ac:chgData name="Meletis Konstas" userId="80fb3a933d8d92c8" providerId="LiveId" clId="{0E19EBBC-76C8-4175-856E-9CD6DDD70504}" dt="2024-06-11T13:29:13.090" v="4313"/>
+          <ac:spMkLst>
+            <pc:docMk/>
+            <pc:sldMk cId="2409134714" sldId="297"/>
+            <ac:spMk id="2" creationId="{E01A2AF9-AFA0-D3F2-DCF1-1E6E9868B5BC}"/>
+          </ac:spMkLst>
+        </pc:spChg>
+        <pc:spChg chg="mod">
+          <ac:chgData name="Meletis Konstas" userId="80fb3a933d8d92c8" providerId="LiveId" clId="{0E19EBBC-76C8-4175-856E-9CD6DDD70504}" dt="2024-06-11T13:26:41.546" v="4147" actId="20577"/>
+          <ac:spMkLst>
+            <pc:docMk/>
+            <pc:sldMk cId="2409134714" sldId="297"/>
+            <ac:spMk id="4" creationId="{22155380-2DBE-C53F-31FA-1155D3ECF596}"/>
+          </ac:spMkLst>
+        </pc:spChg>
+        <pc:spChg chg="mod">
+          <ac:chgData name="Meletis Konstas" userId="80fb3a933d8d92c8" providerId="LiveId" clId="{0E19EBBC-76C8-4175-856E-9CD6DDD70504}" dt="2024-06-11T13:26:08.492" v="4085" actId="1037"/>
+          <ac:spMkLst>
+            <pc:docMk/>
+            <pc:sldMk cId="2409134714" sldId="297"/>
+            <ac:spMk id="7" creationId="{021CE4FD-FD7C-DA78-EF99-D48E59988C1C}"/>
           </ac:spMkLst>
         </pc:spChg>
       </pc:sldChg>
@@ -12763,6 +13328,525 @@
 </p:sld>
 </file>
 
+<file path=ppt/slides/slide27.xml><?xml version="1.0" encoding="utf-8"?>
+<p:sld xmlns:a="http://schemas.openxmlformats.org/drawingml/2006/main" xmlns:r="http://schemas.openxmlformats.org/officeDocument/2006/relationships" xmlns:p="http://schemas.openxmlformats.org/presentationml/2006/main">
+  <p:cSld>
+    <p:spTree>
+      <p:nvGrpSpPr>
+        <p:cNvPr id="1" name=""/>
+        <p:cNvGrpSpPr/>
+        <p:nvPr/>
+      </p:nvGrpSpPr>
+      <p:grpSpPr>
+        <a:xfrm>
+          <a:off x="0" y="0"/>
+          <a:ext cx="0" cy="0"/>
+          <a:chOff x="0" y="0"/>
+          <a:chExt cx="0" cy="0"/>
+        </a:xfrm>
+      </p:grpSpPr>
+      <p:sp>
+        <p:nvSpPr>
+          <p:cNvPr id="2" name="Τίτλος 1">
+            <a:extLst>
+              <a:ext uri="{FF2B5EF4-FFF2-40B4-BE49-F238E27FC236}">
+                <a16:creationId xmlns:a16="http://schemas.microsoft.com/office/drawing/2014/main" id="{7D80E6D0-3A81-630E-29C8-DAD38758732E}"/>
+              </a:ext>
+            </a:extLst>
+          </p:cNvPr>
+          <p:cNvSpPr>
+            <a:spLocks noGrp="1"/>
+          </p:cNvSpPr>
+          <p:nvPr>
+            <p:ph type="title"/>
+          </p:nvPr>
+        </p:nvSpPr>
+        <p:spPr>
+          <a:xfrm>
+            <a:off x="581193" y="729658"/>
+            <a:ext cx="11029616" cy="988332"/>
+          </a:xfrm>
+        </p:spPr>
+        <p:txBody>
+          <a:bodyPr anchor="b">
+            <a:normAutofit/>
+          </a:bodyPr>
+          <a:lstStyle/>
+          <a:p>
+            <a:r>
+              <a:rPr lang="el-GR" dirty="0" err="1"/>
+              <a:t>Παραδειγμα</a:t>
+            </a:r>
+            <a:r>
+              <a:rPr lang="el-GR" dirty="0"/>
+              <a:t> </a:t>
+            </a:r>
+            <a:r>
+              <a:rPr lang="el-GR" dirty="0" err="1"/>
+              <a:t>λειτουργιασ</a:t>
+            </a:r>
+            <a:r>
+              <a:rPr lang="en-US" dirty="0"/>
+              <a:t> 2</a:t>
+            </a:r>
+            <a:endParaRPr lang="el-GR" dirty="0"/>
+          </a:p>
+        </p:txBody>
+      </p:sp>
+      <p:pic>
+        <p:nvPicPr>
+          <p:cNvPr id="5" name="Θέση περιεχομένου 4" descr="Εικόνα που περιέχει αριθμομηχανή, κείμενο, στιγμιότυπο οθόνης&#10;&#10;Περιγραφή που δημιουργήθηκε αυτόματα">
+            <a:extLst>
+              <a:ext uri="{FF2B5EF4-FFF2-40B4-BE49-F238E27FC236}">
+                <a16:creationId xmlns:a16="http://schemas.microsoft.com/office/drawing/2014/main" id="{69C33384-93A2-87AE-AF12-64122B6924F6}"/>
+              </a:ext>
+            </a:extLst>
+          </p:cNvPr>
+          <p:cNvPicPr>
+            <a:picLocks noGrp="1" noChangeAspect="1"/>
+          </p:cNvPicPr>
+          <p:nvPr>
+            <p:ph sz="half" idx="1"/>
+          </p:nvPr>
+        </p:nvPicPr>
+        <p:blipFill>
+          <a:blip r:embed="rId2"/>
+          <a:stretch>
+            <a:fillRect/>
+          </a:stretch>
+        </p:blipFill>
+        <p:spPr>
+          <a:xfrm>
+            <a:off x="2479494" y="2228003"/>
+            <a:ext cx="1625788" cy="3633047"/>
+          </a:xfrm>
+          <a:noFill/>
+        </p:spPr>
+      </p:pic>
+      <p:sp>
+        <p:nvSpPr>
+          <p:cNvPr id="10" name="Content Placeholder 3">
+            <a:extLst>
+              <a:ext uri="{FF2B5EF4-FFF2-40B4-BE49-F238E27FC236}">
+                <a16:creationId xmlns:a16="http://schemas.microsoft.com/office/drawing/2014/main" id="{C99EAA58-6829-73CE-FA7A-4FF6881DF058}"/>
+              </a:ext>
+            </a:extLst>
+          </p:cNvPr>
+          <p:cNvSpPr>
+            <a:spLocks noGrp="1"/>
+          </p:cNvSpPr>
+          <p:nvPr>
+            <p:ph sz="half" idx="2"/>
+          </p:nvPr>
+        </p:nvSpPr>
+        <p:spPr>
+          <a:xfrm>
+            <a:off x="6188417" y="2228003"/>
+            <a:ext cx="5422392" cy="3633047"/>
+          </a:xfrm>
+        </p:spPr>
+        <p:txBody>
+          <a:bodyPr/>
+          <a:lstStyle/>
+          <a:p>
+            <a:r>
+              <a:rPr lang="el-GR" dirty="0"/>
+              <a:t>Αρχική οθόνη</a:t>
+            </a:r>
+            <a:endParaRPr lang="en-US" dirty="0"/>
+          </a:p>
+        </p:txBody>
+      </p:sp>
+    </p:spTree>
+    <p:extLst>
+      <p:ext uri="{BB962C8B-B14F-4D97-AF65-F5344CB8AC3E}">
+        <p14:creationId xmlns:p14="http://schemas.microsoft.com/office/powerpoint/2010/main" val="4063436051"/>
+      </p:ext>
+    </p:extLst>
+  </p:cSld>
+  <p:clrMapOvr>
+    <a:masterClrMapping/>
+  </p:clrMapOvr>
+</p:sld>
+</file>
+
+<file path=ppt/slides/slide28.xml><?xml version="1.0" encoding="utf-8"?>
+<p:sld xmlns:a="http://schemas.openxmlformats.org/drawingml/2006/main" xmlns:r="http://schemas.openxmlformats.org/officeDocument/2006/relationships" xmlns:p="http://schemas.openxmlformats.org/presentationml/2006/main">
+  <p:cSld>
+    <p:spTree>
+      <p:nvGrpSpPr>
+        <p:cNvPr id="1" name=""/>
+        <p:cNvGrpSpPr/>
+        <p:nvPr/>
+      </p:nvGrpSpPr>
+      <p:grpSpPr>
+        <a:xfrm>
+          <a:off x="0" y="0"/>
+          <a:ext cx="0" cy="0"/>
+          <a:chOff x="0" y="0"/>
+          <a:chExt cx="0" cy="0"/>
+        </a:xfrm>
+      </p:grpSpPr>
+      <p:sp>
+        <p:nvSpPr>
+          <p:cNvPr id="2" name="Τίτλος 1">
+            <a:extLst>
+              <a:ext uri="{FF2B5EF4-FFF2-40B4-BE49-F238E27FC236}">
+                <a16:creationId xmlns:a16="http://schemas.microsoft.com/office/drawing/2014/main" id="{7D80E6D0-3A81-630E-29C8-DAD38758732E}"/>
+              </a:ext>
+            </a:extLst>
+          </p:cNvPr>
+          <p:cNvSpPr>
+            <a:spLocks noGrp="1"/>
+          </p:cNvSpPr>
+          <p:nvPr>
+            <p:ph type="title"/>
+          </p:nvPr>
+        </p:nvSpPr>
+        <p:spPr>
+          <a:xfrm>
+            <a:off x="581193" y="729658"/>
+            <a:ext cx="11029616" cy="988332"/>
+          </a:xfrm>
+        </p:spPr>
+        <p:txBody>
+          <a:bodyPr anchor="b">
+            <a:normAutofit/>
+          </a:bodyPr>
+          <a:lstStyle/>
+          <a:p>
+            <a:r>
+              <a:rPr lang="el-GR" dirty="0" err="1"/>
+              <a:t>Παραδειγμα</a:t>
+            </a:r>
+            <a:r>
+              <a:rPr lang="el-GR" dirty="0"/>
+              <a:t> </a:t>
+            </a:r>
+            <a:r>
+              <a:rPr lang="el-GR" dirty="0" err="1"/>
+              <a:t>λειτουργιασ</a:t>
+            </a:r>
+            <a:r>
+              <a:rPr lang="en-US" dirty="0"/>
+              <a:t> 2</a:t>
+            </a:r>
+            <a:endParaRPr lang="el-GR" dirty="0"/>
+          </a:p>
+        </p:txBody>
+      </p:sp>
+      <p:pic>
+        <p:nvPicPr>
+          <p:cNvPr id="5" name="Θέση περιεχομένου 4" descr="Εικόνα που περιέχει αριθμομηχανή, κείμενο, στιγμιότυπο οθόνης&#10;&#10;Περιγραφή που δημιουργήθηκε αυτόματα">
+            <a:extLst>
+              <a:ext uri="{FF2B5EF4-FFF2-40B4-BE49-F238E27FC236}">
+                <a16:creationId xmlns:a16="http://schemas.microsoft.com/office/drawing/2014/main" id="{69C33384-93A2-87AE-AF12-64122B6924F6}"/>
+              </a:ext>
+            </a:extLst>
+          </p:cNvPr>
+          <p:cNvPicPr>
+            <a:picLocks noGrp="1" noChangeAspect="1"/>
+          </p:cNvPicPr>
+          <p:nvPr>
+            <p:ph sz="half" idx="1"/>
+          </p:nvPr>
+        </p:nvPicPr>
+        <p:blipFill>
+          <a:blip r:embed="rId2"/>
+          <a:stretch>
+            <a:fillRect/>
+          </a:stretch>
+        </p:blipFill>
+        <p:spPr>
+          <a:xfrm>
+            <a:off x="2479494" y="2228003"/>
+            <a:ext cx="1625788" cy="3633047"/>
+          </a:xfrm>
+          <a:noFill/>
+        </p:spPr>
+      </p:pic>
+      <p:sp>
+        <p:nvSpPr>
+          <p:cNvPr id="10" name="Content Placeholder 3">
+            <a:extLst>
+              <a:ext uri="{FF2B5EF4-FFF2-40B4-BE49-F238E27FC236}">
+                <a16:creationId xmlns:a16="http://schemas.microsoft.com/office/drawing/2014/main" id="{C99EAA58-6829-73CE-FA7A-4FF6881DF058}"/>
+              </a:ext>
+            </a:extLst>
+          </p:cNvPr>
+          <p:cNvSpPr>
+            <a:spLocks noGrp="1"/>
+          </p:cNvSpPr>
+          <p:nvPr>
+            <p:ph sz="half" idx="2"/>
+          </p:nvPr>
+        </p:nvSpPr>
+        <p:spPr>
+          <a:xfrm>
+            <a:off x="6188417" y="2228003"/>
+            <a:ext cx="5422392" cy="3633047"/>
+          </a:xfrm>
+        </p:spPr>
+        <p:txBody>
+          <a:bodyPr/>
+          <a:lstStyle/>
+          <a:p>
+            <a:r>
+              <a:rPr lang="el-GR" dirty="0"/>
+              <a:t>Πατάμε το πλήκτρο ‘4’</a:t>
+            </a:r>
+            <a:endParaRPr lang="en-US" dirty="0"/>
+          </a:p>
+        </p:txBody>
+      </p:sp>
+      <p:sp>
+        <p:nvSpPr>
+          <p:cNvPr id="3" name="Οβάλ 2">
+            <a:extLst>
+              <a:ext uri="{FF2B5EF4-FFF2-40B4-BE49-F238E27FC236}">
+                <a16:creationId xmlns:a16="http://schemas.microsoft.com/office/drawing/2014/main" id="{F26C55E2-992F-574F-BE42-D1D80B12C578}"/>
+              </a:ext>
+            </a:extLst>
+          </p:cNvPr>
+          <p:cNvSpPr/>
+          <p:nvPr/>
+        </p:nvSpPr>
+        <p:spPr>
+          <a:xfrm>
+            <a:off x="2516472" y="4942427"/>
+            <a:ext cx="266700" cy="226219"/>
+          </a:xfrm>
+          <a:prstGeom prst="ellipse">
+            <a:avLst/>
+          </a:prstGeom>
+          <a:solidFill>
+            <a:srgbClr val="1A3260">
+              <a:alpha val="27059"/>
+            </a:srgbClr>
+          </a:solidFill>
+        </p:spPr>
+        <p:style>
+          <a:lnRef idx="2">
+            <a:schemeClr val="accent1">
+              <a:shade val="15000"/>
+            </a:schemeClr>
+          </a:lnRef>
+          <a:fillRef idx="1">
+            <a:schemeClr val="accent1"/>
+          </a:fillRef>
+          <a:effectRef idx="0">
+            <a:schemeClr val="accent1"/>
+          </a:effectRef>
+          <a:fontRef idx="minor">
+            <a:schemeClr val="lt1"/>
+          </a:fontRef>
+        </p:style>
+        <p:txBody>
+          <a:bodyPr rtlCol="0" anchor="ctr"/>
+          <a:lstStyle/>
+          <a:p>
+            <a:pPr algn="ctr"/>
+            <a:endParaRPr lang="el-GR"/>
+          </a:p>
+        </p:txBody>
+      </p:sp>
+    </p:spTree>
+    <p:extLst>
+      <p:ext uri="{BB962C8B-B14F-4D97-AF65-F5344CB8AC3E}">
+        <p14:creationId xmlns:p14="http://schemas.microsoft.com/office/powerpoint/2010/main" val="1275275526"/>
+      </p:ext>
+    </p:extLst>
+  </p:cSld>
+  <p:clrMapOvr>
+    <a:masterClrMapping/>
+  </p:clrMapOvr>
+</p:sld>
+</file>
+
+<file path=ppt/slides/slide29.xml><?xml version="1.0" encoding="utf-8"?>
+<p:sld xmlns:a="http://schemas.openxmlformats.org/drawingml/2006/main" xmlns:r="http://schemas.openxmlformats.org/officeDocument/2006/relationships" xmlns:p="http://schemas.openxmlformats.org/presentationml/2006/main">
+  <p:cSld>
+    <p:spTree>
+      <p:nvGrpSpPr>
+        <p:cNvPr id="1" name=""/>
+        <p:cNvGrpSpPr/>
+        <p:nvPr/>
+      </p:nvGrpSpPr>
+      <p:grpSpPr>
+        <a:xfrm>
+          <a:off x="0" y="0"/>
+          <a:ext cx="0" cy="0"/>
+          <a:chOff x="0" y="0"/>
+          <a:chExt cx="0" cy="0"/>
+        </a:xfrm>
+      </p:grpSpPr>
+      <p:sp>
+        <p:nvSpPr>
+          <p:cNvPr id="2" name="Τίτλος 1">
+            <a:extLst>
+              <a:ext uri="{FF2B5EF4-FFF2-40B4-BE49-F238E27FC236}">
+                <a16:creationId xmlns:a16="http://schemas.microsoft.com/office/drawing/2014/main" id="{36ABBA7D-0C38-B14C-43FB-51B8F79C75C7}"/>
+              </a:ext>
+            </a:extLst>
+          </p:cNvPr>
+          <p:cNvSpPr>
+            <a:spLocks noGrp="1"/>
+          </p:cNvSpPr>
+          <p:nvPr>
+            <p:ph type="title"/>
+          </p:nvPr>
+        </p:nvSpPr>
+        <p:spPr/>
+        <p:txBody>
+          <a:bodyPr/>
+          <a:lstStyle/>
+          <a:p>
+            <a:r>
+              <a:rPr lang="el-GR" dirty="0" err="1"/>
+              <a:t>Παραδειγμα</a:t>
+            </a:r>
+            <a:r>
+              <a:rPr lang="el-GR" dirty="0"/>
+              <a:t> </a:t>
+            </a:r>
+            <a:r>
+              <a:rPr lang="el-GR" dirty="0" err="1"/>
+              <a:t>λειτουργιασ</a:t>
+            </a:r>
+            <a:r>
+              <a:rPr lang="el-GR" dirty="0"/>
+              <a:t> 2</a:t>
+            </a:r>
+          </a:p>
+        </p:txBody>
+      </p:sp>
+      <p:pic>
+        <p:nvPicPr>
+          <p:cNvPr id="6" name="Θέση περιεχομένου 5" descr="Εικόνα που περιέχει κείμενο, στιγμιότυπο οθόνης, αριθμομηχανή&#10;&#10;Περιγραφή που δημιουργήθηκε αυτόματα">
+            <a:extLst>
+              <a:ext uri="{FF2B5EF4-FFF2-40B4-BE49-F238E27FC236}">
+                <a16:creationId xmlns:a16="http://schemas.microsoft.com/office/drawing/2014/main" id="{AA5571C2-EF1D-3172-B4B5-FC4FB9F84D07}"/>
+              </a:ext>
+            </a:extLst>
+          </p:cNvPr>
+          <p:cNvPicPr>
+            <a:picLocks noGrp="1" noChangeAspect="1"/>
+          </p:cNvPicPr>
+          <p:nvPr>
+            <p:ph sz="half" idx="1"/>
+          </p:nvPr>
+        </p:nvPicPr>
+        <p:blipFill>
+          <a:blip r:embed="rId2"/>
+          <a:stretch>
+            <a:fillRect/>
+          </a:stretch>
+        </p:blipFill>
+        <p:spPr>
+          <a:xfrm>
+            <a:off x="2479920" y="2227263"/>
+            <a:ext cx="1625110" cy="3633787"/>
+          </a:xfrm>
+        </p:spPr>
+      </p:pic>
+      <p:sp>
+        <p:nvSpPr>
+          <p:cNvPr id="4" name="Θέση περιεχομένου 3">
+            <a:extLst>
+              <a:ext uri="{FF2B5EF4-FFF2-40B4-BE49-F238E27FC236}">
+                <a16:creationId xmlns:a16="http://schemas.microsoft.com/office/drawing/2014/main" id="{229F6683-AEA7-FD26-409F-5E265F5798A7}"/>
+              </a:ext>
+            </a:extLst>
+          </p:cNvPr>
+          <p:cNvSpPr>
+            <a:spLocks noGrp="1"/>
+          </p:cNvSpPr>
+          <p:nvPr>
+            <p:ph sz="half" idx="2"/>
+          </p:nvPr>
+        </p:nvSpPr>
+        <p:spPr/>
+        <p:txBody>
+          <a:bodyPr/>
+          <a:lstStyle/>
+          <a:p>
+            <a:r>
+              <a:rPr lang="el-GR" dirty="0"/>
+              <a:t>Στην οθόνη εμφανίζεται το ‘4’</a:t>
+            </a:r>
+          </a:p>
+          <a:p>
+            <a:r>
+              <a:rPr lang="el-GR" dirty="0"/>
+              <a:t>Πατάμε το πλήκτρο ‘5’</a:t>
+            </a:r>
+          </a:p>
+        </p:txBody>
+      </p:sp>
+      <p:sp>
+        <p:nvSpPr>
+          <p:cNvPr id="7" name="Οβάλ 6">
+            <a:extLst>
+              <a:ext uri="{FF2B5EF4-FFF2-40B4-BE49-F238E27FC236}">
+                <a16:creationId xmlns:a16="http://schemas.microsoft.com/office/drawing/2014/main" id="{64155943-1980-A0B3-721C-2C4BE4B69C79}"/>
+              </a:ext>
+            </a:extLst>
+          </p:cNvPr>
+          <p:cNvSpPr/>
+          <p:nvPr/>
+        </p:nvSpPr>
+        <p:spPr>
+          <a:xfrm>
+            <a:off x="2841380" y="4946131"/>
+            <a:ext cx="266700" cy="226219"/>
+          </a:xfrm>
+          <a:prstGeom prst="ellipse">
+            <a:avLst/>
+          </a:prstGeom>
+          <a:solidFill>
+            <a:srgbClr val="1A3260">
+              <a:alpha val="27059"/>
+            </a:srgbClr>
+          </a:solidFill>
+        </p:spPr>
+        <p:style>
+          <a:lnRef idx="2">
+            <a:schemeClr val="accent1">
+              <a:shade val="15000"/>
+            </a:schemeClr>
+          </a:lnRef>
+          <a:fillRef idx="1">
+            <a:schemeClr val="accent1"/>
+          </a:fillRef>
+          <a:effectRef idx="0">
+            <a:schemeClr val="accent1"/>
+          </a:effectRef>
+          <a:fontRef idx="minor">
+            <a:schemeClr val="lt1"/>
+          </a:fontRef>
+        </p:style>
+        <p:txBody>
+          <a:bodyPr rtlCol="0" anchor="ctr"/>
+          <a:lstStyle/>
+          <a:p>
+            <a:pPr algn="ctr"/>
+            <a:endParaRPr lang="el-GR"/>
+          </a:p>
+        </p:txBody>
+      </p:sp>
+    </p:spTree>
+    <p:extLst>
+      <p:ext uri="{BB962C8B-B14F-4D97-AF65-F5344CB8AC3E}">
+        <p14:creationId xmlns:p14="http://schemas.microsoft.com/office/powerpoint/2010/main" val="423180659"/>
+      </p:ext>
+    </p:extLst>
+  </p:cSld>
+  <p:clrMapOvr>
+    <a:masterClrMapping/>
+  </p:clrMapOvr>
+</p:sld>
+</file>
+
 <file path=ppt/slides/slide3.xml><?xml version="1.0" encoding="utf-8"?>
 <p:sld xmlns:a="http://schemas.openxmlformats.org/drawingml/2006/main" xmlns:r="http://schemas.openxmlformats.org/officeDocument/2006/relationships" xmlns:p="http://schemas.openxmlformats.org/presentationml/2006/main">
   <p:cSld>
@@ -12914,6 +13998,1877 @@
     <p:extLst>
       <p:ext uri="{BB962C8B-B14F-4D97-AF65-F5344CB8AC3E}">
         <p14:creationId xmlns:p14="http://schemas.microsoft.com/office/powerpoint/2010/main" val="1061599388"/>
+      </p:ext>
+    </p:extLst>
+  </p:cSld>
+  <p:clrMapOvr>
+    <a:masterClrMapping/>
+  </p:clrMapOvr>
+</p:sld>
+</file>
+
+<file path=ppt/slides/slide30.xml><?xml version="1.0" encoding="utf-8"?>
+<p:sld xmlns:a="http://schemas.openxmlformats.org/drawingml/2006/main" xmlns:r="http://schemas.openxmlformats.org/officeDocument/2006/relationships" xmlns:p="http://schemas.openxmlformats.org/presentationml/2006/main">
+  <p:cSld>
+    <p:spTree>
+      <p:nvGrpSpPr>
+        <p:cNvPr id="1" name=""/>
+        <p:cNvGrpSpPr/>
+        <p:nvPr/>
+      </p:nvGrpSpPr>
+      <p:grpSpPr>
+        <a:xfrm>
+          <a:off x="0" y="0"/>
+          <a:ext cx="0" cy="0"/>
+          <a:chOff x="0" y="0"/>
+          <a:chExt cx="0" cy="0"/>
+        </a:xfrm>
+      </p:grpSpPr>
+      <p:sp>
+        <p:nvSpPr>
+          <p:cNvPr id="2" name="Τίτλος 1">
+            <a:extLst>
+              <a:ext uri="{FF2B5EF4-FFF2-40B4-BE49-F238E27FC236}">
+                <a16:creationId xmlns:a16="http://schemas.microsoft.com/office/drawing/2014/main" id="{8DBB315D-45CF-9D8C-88DE-76956EE8DF73}"/>
+              </a:ext>
+            </a:extLst>
+          </p:cNvPr>
+          <p:cNvSpPr>
+            <a:spLocks noGrp="1"/>
+          </p:cNvSpPr>
+          <p:nvPr>
+            <p:ph type="title"/>
+          </p:nvPr>
+        </p:nvSpPr>
+        <p:spPr/>
+        <p:txBody>
+          <a:bodyPr/>
+          <a:lstStyle/>
+          <a:p>
+            <a:r>
+              <a:rPr lang="el-GR" dirty="0" err="1"/>
+              <a:t>Παραδειγμα</a:t>
+            </a:r>
+            <a:r>
+              <a:rPr lang="el-GR" dirty="0"/>
+              <a:t> </a:t>
+            </a:r>
+            <a:r>
+              <a:rPr lang="el-GR" dirty="0" err="1"/>
+              <a:t>λειτουργιασ</a:t>
+            </a:r>
+            <a:r>
+              <a:rPr lang="en-US" dirty="0"/>
+              <a:t> 2</a:t>
+            </a:r>
+            <a:endParaRPr lang="el-GR" dirty="0"/>
+          </a:p>
+        </p:txBody>
+      </p:sp>
+      <p:pic>
+        <p:nvPicPr>
+          <p:cNvPr id="6" name="Θέση περιεχομένου 5" descr="Εικόνα που περιέχει κείμενο, στιγμιότυπο οθόνης, αριθμομηχανή&#10;&#10;Περιγραφή που δημιουργήθηκε αυτόματα">
+            <a:extLst>
+              <a:ext uri="{FF2B5EF4-FFF2-40B4-BE49-F238E27FC236}">
+                <a16:creationId xmlns:a16="http://schemas.microsoft.com/office/drawing/2014/main" id="{B92111FA-7440-89DF-8BD8-ED79541A4DA2}"/>
+              </a:ext>
+            </a:extLst>
+          </p:cNvPr>
+          <p:cNvPicPr>
+            <a:picLocks noGrp="1" noChangeAspect="1"/>
+          </p:cNvPicPr>
+          <p:nvPr>
+            <p:ph sz="half" idx="1"/>
+          </p:nvPr>
+        </p:nvPicPr>
+        <p:blipFill>
+          <a:blip r:embed="rId2"/>
+          <a:stretch>
+            <a:fillRect/>
+          </a:stretch>
+        </p:blipFill>
+        <p:spPr>
+          <a:xfrm>
+            <a:off x="2479920" y="2227263"/>
+            <a:ext cx="1625110" cy="3633787"/>
+          </a:xfrm>
+        </p:spPr>
+      </p:pic>
+      <p:sp>
+        <p:nvSpPr>
+          <p:cNvPr id="4" name="Θέση περιεχομένου 3">
+            <a:extLst>
+              <a:ext uri="{FF2B5EF4-FFF2-40B4-BE49-F238E27FC236}">
+                <a16:creationId xmlns:a16="http://schemas.microsoft.com/office/drawing/2014/main" id="{2FDEB908-8069-F4C0-666D-3D723DE8FADB}"/>
+              </a:ext>
+            </a:extLst>
+          </p:cNvPr>
+          <p:cNvSpPr>
+            <a:spLocks noGrp="1"/>
+          </p:cNvSpPr>
+          <p:nvPr>
+            <p:ph sz="half" idx="2"/>
+          </p:nvPr>
+        </p:nvSpPr>
+        <p:spPr/>
+        <p:txBody>
+          <a:bodyPr/>
+          <a:lstStyle/>
+          <a:p>
+            <a:r>
+              <a:rPr lang="el-GR" dirty="0"/>
+              <a:t>Στην οθόνη εμφανίζεται το ‘45’</a:t>
+            </a:r>
+          </a:p>
+          <a:p>
+            <a:r>
+              <a:rPr lang="el-GR" dirty="0"/>
+              <a:t>Πατάμε το πλήκτρο ‘</a:t>
+            </a:r>
+            <a:r>
+              <a:rPr lang="en-US" dirty="0"/>
+              <a:t>sin’</a:t>
+            </a:r>
+            <a:endParaRPr lang="el-GR" dirty="0"/>
+          </a:p>
+        </p:txBody>
+      </p:sp>
+      <p:sp>
+        <p:nvSpPr>
+          <p:cNvPr id="7" name="Οβάλ 6">
+            <a:extLst>
+              <a:ext uri="{FF2B5EF4-FFF2-40B4-BE49-F238E27FC236}">
+                <a16:creationId xmlns:a16="http://schemas.microsoft.com/office/drawing/2014/main" id="{E4E3EBDD-9A93-4A30-739A-90B81659CD57}"/>
+              </a:ext>
+            </a:extLst>
+          </p:cNvPr>
+          <p:cNvSpPr/>
+          <p:nvPr/>
+        </p:nvSpPr>
+        <p:spPr>
+          <a:xfrm>
+            <a:off x="3159125" y="3202781"/>
+            <a:ext cx="266700" cy="226219"/>
+          </a:xfrm>
+          <a:prstGeom prst="ellipse">
+            <a:avLst/>
+          </a:prstGeom>
+          <a:solidFill>
+            <a:srgbClr val="1A3260">
+              <a:alpha val="27059"/>
+            </a:srgbClr>
+          </a:solidFill>
+        </p:spPr>
+        <p:style>
+          <a:lnRef idx="2">
+            <a:schemeClr val="accent1">
+              <a:shade val="15000"/>
+            </a:schemeClr>
+          </a:lnRef>
+          <a:fillRef idx="1">
+            <a:schemeClr val="accent1"/>
+          </a:fillRef>
+          <a:effectRef idx="0">
+            <a:schemeClr val="accent1"/>
+          </a:effectRef>
+          <a:fontRef idx="minor">
+            <a:schemeClr val="lt1"/>
+          </a:fontRef>
+        </p:style>
+        <p:txBody>
+          <a:bodyPr rtlCol="0" anchor="ctr"/>
+          <a:lstStyle/>
+          <a:p>
+            <a:pPr algn="ctr"/>
+            <a:endParaRPr lang="el-GR"/>
+          </a:p>
+        </p:txBody>
+      </p:sp>
+    </p:spTree>
+    <p:extLst>
+      <p:ext uri="{BB962C8B-B14F-4D97-AF65-F5344CB8AC3E}">
+        <p14:creationId xmlns:p14="http://schemas.microsoft.com/office/powerpoint/2010/main" val="2820983226"/>
+      </p:ext>
+    </p:extLst>
+  </p:cSld>
+  <p:clrMapOvr>
+    <a:masterClrMapping/>
+  </p:clrMapOvr>
+</p:sld>
+</file>
+
+<file path=ppt/slides/slide31.xml><?xml version="1.0" encoding="utf-8"?>
+<p:sld xmlns:a="http://schemas.openxmlformats.org/drawingml/2006/main" xmlns:r="http://schemas.openxmlformats.org/officeDocument/2006/relationships" xmlns:p="http://schemas.openxmlformats.org/presentationml/2006/main">
+  <p:cSld>
+    <p:spTree>
+      <p:nvGrpSpPr>
+        <p:cNvPr id="1" name=""/>
+        <p:cNvGrpSpPr/>
+        <p:nvPr/>
+      </p:nvGrpSpPr>
+      <p:grpSpPr>
+        <a:xfrm>
+          <a:off x="0" y="0"/>
+          <a:ext cx="0" cy="0"/>
+          <a:chOff x="0" y="0"/>
+          <a:chExt cx="0" cy="0"/>
+        </a:xfrm>
+      </p:grpSpPr>
+      <p:sp>
+        <p:nvSpPr>
+          <p:cNvPr id="2" name="Τίτλος 1">
+            <a:extLst>
+              <a:ext uri="{FF2B5EF4-FFF2-40B4-BE49-F238E27FC236}">
+                <a16:creationId xmlns:a16="http://schemas.microsoft.com/office/drawing/2014/main" id="{04272772-73E7-9D2D-4707-A753D15C3A28}"/>
+              </a:ext>
+            </a:extLst>
+          </p:cNvPr>
+          <p:cNvSpPr>
+            <a:spLocks noGrp="1"/>
+          </p:cNvSpPr>
+          <p:nvPr>
+            <p:ph type="title"/>
+          </p:nvPr>
+        </p:nvSpPr>
+        <p:spPr/>
+        <p:txBody>
+          <a:bodyPr/>
+          <a:lstStyle/>
+          <a:p>
+            <a:r>
+              <a:rPr lang="el-GR" dirty="0" err="1"/>
+              <a:t>Παραδειγμα</a:t>
+            </a:r>
+            <a:r>
+              <a:rPr lang="el-GR" dirty="0"/>
+              <a:t> </a:t>
+            </a:r>
+            <a:r>
+              <a:rPr lang="el-GR" dirty="0" err="1"/>
+              <a:t>λειτουργιασ</a:t>
+            </a:r>
+            <a:r>
+              <a:rPr lang="en-US" dirty="0"/>
+              <a:t> 2</a:t>
+            </a:r>
+            <a:endParaRPr lang="el-GR" dirty="0"/>
+          </a:p>
+        </p:txBody>
+      </p:sp>
+      <p:pic>
+        <p:nvPicPr>
+          <p:cNvPr id="6" name="Θέση περιεχομένου 5" descr="Εικόνα που περιέχει κείμενο, στιγμιότυπο οθόνης, αριθμομηχανή&#10;&#10;Περιγραφή που δημιουργήθηκε αυτόματα">
+            <a:extLst>
+              <a:ext uri="{FF2B5EF4-FFF2-40B4-BE49-F238E27FC236}">
+                <a16:creationId xmlns:a16="http://schemas.microsoft.com/office/drawing/2014/main" id="{5DB742B1-A56A-9B76-5301-DA8C5DA17D14}"/>
+              </a:ext>
+            </a:extLst>
+          </p:cNvPr>
+          <p:cNvPicPr>
+            <a:picLocks noGrp="1" noChangeAspect="1"/>
+          </p:cNvPicPr>
+          <p:nvPr>
+            <p:ph sz="half" idx="1"/>
+          </p:nvPr>
+        </p:nvPicPr>
+        <p:blipFill>
+          <a:blip r:embed="rId2"/>
+          <a:stretch>
+            <a:fillRect/>
+          </a:stretch>
+        </p:blipFill>
+        <p:spPr>
+          <a:xfrm>
+            <a:off x="2477657" y="2227263"/>
+            <a:ext cx="1629636" cy="3633787"/>
+          </a:xfrm>
+        </p:spPr>
+      </p:pic>
+      <p:sp>
+        <p:nvSpPr>
+          <p:cNvPr id="4" name="Θέση περιεχομένου 3">
+            <a:extLst>
+              <a:ext uri="{FF2B5EF4-FFF2-40B4-BE49-F238E27FC236}">
+                <a16:creationId xmlns:a16="http://schemas.microsoft.com/office/drawing/2014/main" id="{21E4970F-A2A4-EEEB-2D98-8902FA4FF592}"/>
+              </a:ext>
+            </a:extLst>
+          </p:cNvPr>
+          <p:cNvSpPr>
+            <a:spLocks noGrp="1"/>
+          </p:cNvSpPr>
+          <p:nvPr>
+            <p:ph sz="half" idx="2"/>
+          </p:nvPr>
+        </p:nvSpPr>
+        <p:spPr/>
+        <p:txBody>
+          <a:bodyPr/>
+          <a:lstStyle/>
+          <a:p>
+            <a:r>
+              <a:rPr lang="el-GR" dirty="0"/>
+              <a:t>Στην οθόνη εμφανίζεται το ημίτονο των 45 μοιρών, δηλαδή 0,707106781186548</a:t>
+            </a:r>
+          </a:p>
+          <a:p>
+            <a:r>
+              <a:rPr lang="el-GR" dirty="0"/>
+              <a:t>Πατάμε το πλήκτρο ‘</a:t>
+            </a:r>
+            <a:r>
+              <a:rPr lang="en-US" dirty="0"/>
+              <a:t>x</a:t>
+            </a:r>
+            <a:r>
+              <a:rPr lang="el-GR" dirty="0"/>
+              <a:t> ^ 2‘</a:t>
+            </a:r>
+            <a:r>
+              <a:rPr lang="en-US" dirty="0"/>
+              <a:t>.</a:t>
+            </a:r>
+            <a:endParaRPr lang="el-GR" dirty="0"/>
+          </a:p>
+          <a:p>
+            <a:endParaRPr lang="el-GR" dirty="0"/>
+          </a:p>
+        </p:txBody>
+      </p:sp>
+      <p:sp>
+        <p:nvSpPr>
+          <p:cNvPr id="3" name="Οβάλ 2">
+            <a:extLst>
+              <a:ext uri="{FF2B5EF4-FFF2-40B4-BE49-F238E27FC236}">
+                <a16:creationId xmlns:a16="http://schemas.microsoft.com/office/drawing/2014/main" id="{3BFD5617-CB5B-12CF-DA88-F8DE223CF883}"/>
+              </a:ext>
+            </a:extLst>
+          </p:cNvPr>
+          <p:cNvSpPr/>
+          <p:nvPr/>
+        </p:nvSpPr>
+        <p:spPr>
+          <a:xfrm>
+            <a:off x="2831465" y="3202781"/>
+            <a:ext cx="266700" cy="226219"/>
+          </a:xfrm>
+          <a:prstGeom prst="ellipse">
+            <a:avLst/>
+          </a:prstGeom>
+          <a:solidFill>
+            <a:srgbClr val="1A3260">
+              <a:alpha val="27059"/>
+            </a:srgbClr>
+          </a:solidFill>
+        </p:spPr>
+        <p:style>
+          <a:lnRef idx="2">
+            <a:schemeClr val="accent1">
+              <a:shade val="15000"/>
+            </a:schemeClr>
+          </a:lnRef>
+          <a:fillRef idx="1">
+            <a:schemeClr val="accent1"/>
+          </a:fillRef>
+          <a:effectRef idx="0">
+            <a:schemeClr val="accent1"/>
+          </a:effectRef>
+          <a:fontRef idx="minor">
+            <a:schemeClr val="lt1"/>
+          </a:fontRef>
+        </p:style>
+        <p:txBody>
+          <a:bodyPr rtlCol="0" anchor="ctr"/>
+          <a:lstStyle/>
+          <a:p>
+            <a:pPr algn="ctr"/>
+            <a:endParaRPr lang="el-GR"/>
+          </a:p>
+        </p:txBody>
+      </p:sp>
+    </p:spTree>
+    <p:extLst>
+      <p:ext uri="{BB962C8B-B14F-4D97-AF65-F5344CB8AC3E}">
+        <p14:creationId xmlns:p14="http://schemas.microsoft.com/office/powerpoint/2010/main" val="1983682865"/>
+      </p:ext>
+    </p:extLst>
+  </p:cSld>
+  <p:clrMapOvr>
+    <a:masterClrMapping/>
+  </p:clrMapOvr>
+</p:sld>
+</file>
+
+<file path=ppt/slides/slide32.xml><?xml version="1.0" encoding="utf-8"?>
+<p:sld xmlns:a="http://schemas.openxmlformats.org/drawingml/2006/main" xmlns:r="http://schemas.openxmlformats.org/officeDocument/2006/relationships" xmlns:p="http://schemas.openxmlformats.org/presentationml/2006/main">
+  <p:cSld>
+    <p:spTree>
+      <p:nvGrpSpPr>
+        <p:cNvPr id="1" name=""/>
+        <p:cNvGrpSpPr/>
+        <p:nvPr/>
+      </p:nvGrpSpPr>
+      <p:grpSpPr>
+        <a:xfrm>
+          <a:off x="0" y="0"/>
+          <a:ext cx="0" cy="0"/>
+          <a:chOff x="0" y="0"/>
+          <a:chExt cx="0" cy="0"/>
+        </a:xfrm>
+      </p:grpSpPr>
+      <p:sp>
+        <p:nvSpPr>
+          <p:cNvPr id="2" name="Τίτλος 1">
+            <a:extLst>
+              <a:ext uri="{FF2B5EF4-FFF2-40B4-BE49-F238E27FC236}">
+                <a16:creationId xmlns:a16="http://schemas.microsoft.com/office/drawing/2014/main" id="{E01A2AF9-AFA0-D3F2-DCF1-1E6E9868B5BC}"/>
+              </a:ext>
+            </a:extLst>
+          </p:cNvPr>
+          <p:cNvSpPr>
+            <a:spLocks noGrp="1"/>
+          </p:cNvSpPr>
+          <p:nvPr>
+            <p:ph type="title"/>
+          </p:nvPr>
+        </p:nvSpPr>
+        <p:spPr/>
+        <p:txBody>
+          <a:bodyPr/>
+          <a:lstStyle/>
+          <a:p>
+            <a:r>
+              <a:rPr lang="el-GR" dirty="0" err="1"/>
+              <a:t>Παραδειγμα</a:t>
+            </a:r>
+            <a:r>
+              <a:rPr lang="el-GR" dirty="0"/>
+              <a:t> </a:t>
+            </a:r>
+            <a:r>
+              <a:rPr lang="el-GR" dirty="0" err="1"/>
+              <a:t>λειτουργιασ</a:t>
+            </a:r>
+            <a:r>
+              <a:rPr lang="en-US" dirty="0"/>
+              <a:t> 2</a:t>
+            </a:r>
+            <a:endParaRPr lang="el-GR" dirty="0"/>
+          </a:p>
+        </p:txBody>
+      </p:sp>
+      <p:pic>
+        <p:nvPicPr>
+          <p:cNvPr id="6" name="Θέση περιεχομένου 5" descr="Εικόνα που περιέχει κείμενο, στιγμιότυπο οθόνης, αριθμομηχανή&#10;&#10;Περιγραφή που δημιουργήθηκε αυτόματα">
+            <a:extLst>
+              <a:ext uri="{FF2B5EF4-FFF2-40B4-BE49-F238E27FC236}">
+                <a16:creationId xmlns:a16="http://schemas.microsoft.com/office/drawing/2014/main" id="{E6F43D57-6BF7-C373-DC4F-840AC59DE8DF}"/>
+              </a:ext>
+            </a:extLst>
+          </p:cNvPr>
+          <p:cNvPicPr>
+            <a:picLocks noGrp="1" noChangeAspect="1"/>
+          </p:cNvPicPr>
+          <p:nvPr>
+            <p:ph sz="half" idx="1"/>
+          </p:nvPr>
+        </p:nvPicPr>
+        <p:blipFill>
+          <a:blip r:embed="rId2"/>
+          <a:stretch>
+            <a:fillRect/>
+          </a:stretch>
+        </p:blipFill>
+        <p:spPr>
+          <a:xfrm>
+            <a:off x="2479920" y="2227263"/>
+            <a:ext cx="1625110" cy="3633787"/>
+          </a:xfrm>
+        </p:spPr>
+      </p:pic>
+      <p:sp>
+        <p:nvSpPr>
+          <p:cNvPr id="4" name="Θέση περιεχομένου 3">
+            <a:extLst>
+              <a:ext uri="{FF2B5EF4-FFF2-40B4-BE49-F238E27FC236}">
+                <a16:creationId xmlns:a16="http://schemas.microsoft.com/office/drawing/2014/main" id="{22155380-2DBE-C53F-31FA-1155D3ECF596}"/>
+              </a:ext>
+            </a:extLst>
+          </p:cNvPr>
+          <p:cNvSpPr>
+            <a:spLocks noGrp="1"/>
+          </p:cNvSpPr>
+          <p:nvPr>
+            <p:ph sz="half" idx="2"/>
+          </p:nvPr>
+        </p:nvSpPr>
+        <p:spPr/>
+        <p:txBody>
+          <a:bodyPr/>
+          <a:lstStyle/>
+          <a:p>
+            <a:r>
+              <a:rPr lang="el-GR" dirty="0"/>
+              <a:t>Στην οθόνη εμφανίζεται το ‘0,5’, που είναι το αποτέλεσμα</a:t>
+            </a:r>
+          </a:p>
+          <a:p>
+            <a:r>
+              <a:rPr lang="el-GR" dirty="0"/>
+              <a:t>Πατάμε το πλήκτρο ‘=‘ για να αποθηκευτεί το αποτέλεσμα στη μνήμη</a:t>
+            </a:r>
+          </a:p>
+        </p:txBody>
+      </p:sp>
+      <p:sp>
+        <p:nvSpPr>
+          <p:cNvPr id="7" name="Οβάλ 6">
+            <a:extLst>
+              <a:ext uri="{FF2B5EF4-FFF2-40B4-BE49-F238E27FC236}">
+                <a16:creationId xmlns:a16="http://schemas.microsoft.com/office/drawing/2014/main" id="{021CE4FD-FD7C-DA78-EF99-D48E59988C1C}"/>
+              </a:ext>
+            </a:extLst>
+          </p:cNvPr>
+          <p:cNvSpPr/>
+          <p:nvPr/>
+        </p:nvSpPr>
+        <p:spPr>
+          <a:xfrm>
+            <a:off x="3800634" y="5584031"/>
+            <a:ext cx="266700" cy="226219"/>
+          </a:xfrm>
+          <a:prstGeom prst="ellipse">
+            <a:avLst/>
+          </a:prstGeom>
+          <a:solidFill>
+            <a:srgbClr val="1A3260">
+              <a:alpha val="27059"/>
+            </a:srgbClr>
+          </a:solidFill>
+        </p:spPr>
+        <p:style>
+          <a:lnRef idx="2">
+            <a:schemeClr val="accent1">
+              <a:shade val="15000"/>
+            </a:schemeClr>
+          </a:lnRef>
+          <a:fillRef idx="1">
+            <a:schemeClr val="accent1"/>
+          </a:fillRef>
+          <a:effectRef idx="0">
+            <a:schemeClr val="accent1"/>
+          </a:effectRef>
+          <a:fontRef idx="minor">
+            <a:schemeClr val="lt1"/>
+          </a:fontRef>
+        </p:style>
+        <p:txBody>
+          <a:bodyPr rtlCol="0" anchor="ctr"/>
+          <a:lstStyle/>
+          <a:p>
+            <a:pPr algn="ctr"/>
+            <a:endParaRPr lang="el-GR"/>
+          </a:p>
+        </p:txBody>
+      </p:sp>
+    </p:spTree>
+    <p:extLst>
+      <p:ext uri="{BB962C8B-B14F-4D97-AF65-F5344CB8AC3E}">
+        <p14:creationId xmlns:p14="http://schemas.microsoft.com/office/powerpoint/2010/main" val="2250646565"/>
+      </p:ext>
+    </p:extLst>
+  </p:cSld>
+  <p:clrMapOvr>
+    <a:masterClrMapping/>
+  </p:clrMapOvr>
+</p:sld>
+</file>
+
+<file path=ppt/slides/slide33.xml><?xml version="1.0" encoding="utf-8"?>
+<p:sld xmlns:a="http://schemas.openxmlformats.org/drawingml/2006/main" xmlns:r="http://schemas.openxmlformats.org/officeDocument/2006/relationships" xmlns:p="http://schemas.openxmlformats.org/presentationml/2006/main">
+  <p:cSld>
+    <p:spTree>
+      <p:nvGrpSpPr>
+        <p:cNvPr id="1" name=""/>
+        <p:cNvGrpSpPr/>
+        <p:nvPr/>
+      </p:nvGrpSpPr>
+      <p:grpSpPr>
+        <a:xfrm>
+          <a:off x="0" y="0"/>
+          <a:ext cx="0" cy="0"/>
+          <a:chOff x="0" y="0"/>
+          <a:chExt cx="0" cy="0"/>
+        </a:xfrm>
+      </p:grpSpPr>
+      <p:sp>
+        <p:nvSpPr>
+          <p:cNvPr id="2" name="Τίτλος 1">
+            <a:extLst>
+              <a:ext uri="{FF2B5EF4-FFF2-40B4-BE49-F238E27FC236}">
+                <a16:creationId xmlns:a16="http://schemas.microsoft.com/office/drawing/2014/main" id="{04272772-73E7-9D2D-4707-A753D15C3A28}"/>
+              </a:ext>
+            </a:extLst>
+          </p:cNvPr>
+          <p:cNvSpPr>
+            <a:spLocks noGrp="1"/>
+          </p:cNvSpPr>
+          <p:nvPr>
+            <p:ph type="title"/>
+          </p:nvPr>
+        </p:nvSpPr>
+        <p:spPr/>
+        <p:txBody>
+          <a:bodyPr/>
+          <a:lstStyle/>
+          <a:p>
+            <a:r>
+              <a:rPr lang="el-GR" dirty="0" err="1"/>
+              <a:t>Παραδειγμα</a:t>
+            </a:r>
+            <a:r>
+              <a:rPr lang="el-GR" dirty="0"/>
+              <a:t> </a:t>
+            </a:r>
+            <a:r>
+              <a:rPr lang="el-GR" dirty="0" err="1"/>
+              <a:t>λειτουργιασ</a:t>
+            </a:r>
+            <a:r>
+              <a:rPr lang="en-US" dirty="0"/>
+              <a:t> 2</a:t>
+            </a:r>
+            <a:endParaRPr lang="el-GR" dirty="0"/>
+          </a:p>
+        </p:txBody>
+      </p:sp>
+      <p:sp>
+        <p:nvSpPr>
+          <p:cNvPr id="4" name="Θέση περιεχομένου 3">
+            <a:extLst>
+              <a:ext uri="{FF2B5EF4-FFF2-40B4-BE49-F238E27FC236}">
+                <a16:creationId xmlns:a16="http://schemas.microsoft.com/office/drawing/2014/main" id="{21E4970F-A2A4-EEEB-2D98-8902FA4FF592}"/>
+              </a:ext>
+            </a:extLst>
+          </p:cNvPr>
+          <p:cNvSpPr>
+            <a:spLocks noGrp="1"/>
+          </p:cNvSpPr>
+          <p:nvPr>
+            <p:ph sz="half" idx="2"/>
+          </p:nvPr>
+        </p:nvSpPr>
+        <p:spPr/>
+        <p:txBody>
+          <a:bodyPr/>
+          <a:lstStyle/>
+          <a:p>
+            <a:r>
+              <a:rPr lang="el-GR" dirty="0"/>
+              <a:t>Πατάμε το πλήκτρο ‘4’</a:t>
+            </a:r>
+          </a:p>
+        </p:txBody>
+      </p:sp>
+      <p:pic>
+        <p:nvPicPr>
+          <p:cNvPr id="21" name="Θέση περιεχομένου 20" descr="Εικόνα που περιέχει κείμενο, στιγμιότυπο οθόνης, αριθμομηχανή&#10;&#10;Περιγραφή που δημιουργήθηκε αυτόματα">
+            <a:extLst>
+              <a:ext uri="{FF2B5EF4-FFF2-40B4-BE49-F238E27FC236}">
+                <a16:creationId xmlns:a16="http://schemas.microsoft.com/office/drawing/2014/main" id="{3D55BFEB-32BF-FE14-C1A7-FACD494905C9}"/>
+              </a:ext>
+            </a:extLst>
+          </p:cNvPr>
+          <p:cNvPicPr>
+            <a:picLocks noGrp="1" noChangeAspect="1"/>
+          </p:cNvPicPr>
+          <p:nvPr>
+            <p:ph sz="half" idx="1"/>
+          </p:nvPr>
+        </p:nvPicPr>
+        <p:blipFill>
+          <a:blip r:embed="rId2"/>
+          <a:stretch>
+            <a:fillRect/>
+          </a:stretch>
+        </p:blipFill>
+        <p:spPr>
+          <a:xfrm>
+            <a:off x="2479920" y="2227263"/>
+            <a:ext cx="1625110" cy="3633787"/>
+          </a:xfrm>
+        </p:spPr>
+      </p:pic>
+      <p:sp>
+        <p:nvSpPr>
+          <p:cNvPr id="23" name="Οβάλ 22">
+            <a:extLst>
+              <a:ext uri="{FF2B5EF4-FFF2-40B4-BE49-F238E27FC236}">
+                <a16:creationId xmlns:a16="http://schemas.microsoft.com/office/drawing/2014/main" id="{DFCCBBF9-A0BD-1FB1-9807-C9F219D0014B}"/>
+              </a:ext>
+            </a:extLst>
+          </p:cNvPr>
+          <p:cNvSpPr/>
+          <p:nvPr/>
+        </p:nvSpPr>
+        <p:spPr>
+          <a:xfrm>
+            <a:off x="2510400" y="4929032"/>
+            <a:ext cx="266700" cy="226219"/>
+          </a:xfrm>
+          <a:prstGeom prst="ellipse">
+            <a:avLst/>
+          </a:prstGeom>
+          <a:solidFill>
+            <a:srgbClr val="1A3260">
+              <a:alpha val="27059"/>
+            </a:srgbClr>
+          </a:solidFill>
+        </p:spPr>
+        <p:style>
+          <a:lnRef idx="2">
+            <a:schemeClr val="accent1">
+              <a:shade val="15000"/>
+            </a:schemeClr>
+          </a:lnRef>
+          <a:fillRef idx="1">
+            <a:schemeClr val="accent1"/>
+          </a:fillRef>
+          <a:effectRef idx="0">
+            <a:schemeClr val="accent1"/>
+          </a:effectRef>
+          <a:fontRef idx="minor">
+            <a:schemeClr val="lt1"/>
+          </a:fontRef>
+        </p:style>
+        <p:txBody>
+          <a:bodyPr rtlCol="0" anchor="ctr"/>
+          <a:lstStyle/>
+          <a:p>
+            <a:pPr algn="ctr"/>
+            <a:endParaRPr lang="el-GR"/>
+          </a:p>
+        </p:txBody>
+      </p:sp>
+    </p:spTree>
+    <p:extLst>
+      <p:ext uri="{BB962C8B-B14F-4D97-AF65-F5344CB8AC3E}">
+        <p14:creationId xmlns:p14="http://schemas.microsoft.com/office/powerpoint/2010/main" val="2160505013"/>
+      </p:ext>
+    </p:extLst>
+  </p:cSld>
+  <p:clrMapOvr>
+    <a:masterClrMapping/>
+  </p:clrMapOvr>
+</p:sld>
+</file>
+
+<file path=ppt/slides/slide34.xml><?xml version="1.0" encoding="utf-8"?>
+<p:sld xmlns:a="http://schemas.openxmlformats.org/drawingml/2006/main" xmlns:r="http://schemas.openxmlformats.org/officeDocument/2006/relationships" xmlns:p="http://schemas.openxmlformats.org/presentationml/2006/main">
+  <p:cSld>
+    <p:spTree>
+      <p:nvGrpSpPr>
+        <p:cNvPr id="1" name=""/>
+        <p:cNvGrpSpPr/>
+        <p:nvPr/>
+      </p:nvGrpSpPr>
+      <p:grpSpPr>
+        <a:xfrm>
+          <a:off x="0" y="0"/>
+          <a:ext cx="0" cy="0"/>
+          <a:chOff x="0" y="0"/>
+          <a:chExt cx="0" cy="0"/>
+        </a:xfrm>
+      </p:grpSpPr>
+      <p:sp>
+        <p:nvSpPr>
+          <p:cNvPr id="2" name="Τίτλος 1">
+            <a:extLst>
+              <a:ext uri="{FF2B5EF4-FFF2-40B4-BE49-F238E27FC236}">
+                <a16:creationId xmlns:a16="http://schemas.microsoft.com/office/drawing/2014/main" id="{36ABBA7D-0C38-B14C-43FB-51B8F79C75C7}"/>
+              </a:ext>
+            </a:extLst>
+          </p:cNvPr>
+          <p:cNvSpPr>
+            <a:spLocks noGrp="1"/>
+          </p:cNvSpPr>
+          <p:nvPr>
+            <p:ph type="title"/>
+          </p:nvPr>
+        </p:nvSpPr>
+        <p:spPr/>
+        <p:txBody>
+          <a:bodyPr/>
+          <a:lstStyle/>
+          <a:p>
+            <a:r>
+              <a:rPr lang="el-GR" dirty="0" err="1"/>
+              <a:t>Παραδειγμα</a:t>
+            </a:r>
+            <a:r>
+              <a:rPr lang="el-GR" dirty="0"/>
+              <a:t> </a:t>
+            </a:r>
+            <a:r>
+              <a:rPr lang="el-GR" dirty="0" err="1"/>
+              <a:t>λειτουργιασ</a:t>
+            </a:r>
+            <a:r>
+              <a:rPr lang="el-GR" dirty="0"/>
+              <a:t> 2</a:t>
+            </a:r>
+          </a:p>
+        </p:txBody>
+      </p:sp>
+      <p:pic>
+        <p:nvPicPr>
+          <p:cNvPr id="6" name="Θέση περιεχομένου 5" descr="Εικόνα που περιέχει κείμενο, στιγμιότυπο οθόνης, αριθμομηχανή&#10;&#10;Περιγραφή που δημιουργήθηκε αυτόματα">
+            <a:extLst>
+              <a:ext uri="{FF2B5EF4-FFF2-40B4-BE49-F238E27FC236}">
+                <a16:creationId xmlns:a16="http://schemas.microsoft.com/office/drawing/2014/main" id="{AA5571C2-EF1D-3172-B4B5-FC4FB9F84D07}"/>
+              </a:ext>
+            </a:extLst>
+          </p:cNvPr>
+          <p:cNvPicPr>
+            <a:picLocks noGrp="1" noChangeAspect="1"/>
+          </p:cNvPicPr>
+          <p:nvPr>
+            <p:ph sz="half" idx="1"/>
+          </p:nvPr>
+        </p:nvPicPr>
+        <p:blipFill>
+          <a:blip r:embed="rId2"/>
+          <a:stretch>
+            <a:fillRect/>
+          </a:stretch>
+        </p:blipFill>
+        <p:spPr>
+          <a:xfrm>
+            <a:off x="2479920" y="2227263"/>
+            <a:ext cx="1625110" cy="3633787"/>
+          </a:xfrm>
+        </p:spPr>
+      </p:pic>
+      <p:sp>
+        <p:nvSpPr>
+          <p:cNvPr id="4" name="Θέση περιεχομένου 3">
+            <a:extLst>
+              <a:ext uri="{FF2B5EF4-FFF2-40B4-BE49-F238E27FC236}">
+                <a16:creationId xmlns:a16="http://schemas.microsoft.com/office/drawing/2014/main" id="{229F6683-AEA7-FD26-409F-5E265F5798A7}"/>
+              </a:ext>
+            </a:extLst>
+          </p:cNvPr>
+          <p:cNvSpPr>
+            <a:spLocks noGrp="1"/>
+          </p:cNvSpPr>
+          <p:nvPr>
+            <p:ph sz="half" idx="2"/>
+          </p:nvPr>
+        </p:nvSpPr>
+        <p:spPr/>
+        <p:txBody>
+          <a:bodyPr/>
+          <a:lstStyle/>
+          <a:p>
+            <a:r>
+              <a:rPr lang="el-GR" dirty="0"/>
+              <a:t>Στην οθόνη εμφανίζεται το ‘4’</a:t>
+            </a:r>
+          </a:p>
+          <a:p>
+            <a:r>
+              <a:rPr lang="el-GR" dirty="0"/>
+              <a:t>Πατάμε το πλήκτρο ‘5’</a:t>
+            </a:r>
+          </a:p>
+        </p:txBody>
+      </p:sp>
+      <p:sp>
+        <p:nvSpPr>
+          <p:cNvPr id="7" name="Οβάλ 6">
+            <a:extLst>
+              <a:ext uri="{FF2B5EF4-FFF2-40B4-BE49-F238E27FC236}">
+                <a16:creationId xmlns:a16="http://schemas.microsoft.com/office/drawing/2014/main" id="{64155943-1980-A0B3-721C-2C4BE4B69C79}"/>
+              </a:ext>
+            </a:extLst>
+          </p:cNvPr>
+          <p:cNvSpPr/>
+          <p:nvPr/>
+        </p:nvSpPr>
+        <p:spPr>
+          <a:xfrm>
+            <a:off x="2841380" y="4946131"/>
+            <a:ext cx="266700" cy="226219"/>
+          </a:xfrm>
+          <a:prstGeom prst="ellipse">
+            <a:avLst/>
+          </a:prstGeom>
+          <a:solidFill>
+            <a:srgbClr val="1A3260">
+              <a:alpha val="27059"/>
+            </a:srgbClr>
+          </a:solidFill>
+        </p:spPr>
+        <p:style>
+          <a:lnRef idx="2">
+            <a:schemeClr val="accent1">
+              <a:shade val="15000"/>
+            </a:schemeClr>
+          </a:lnRef>
+          <a:fillRef idx="1">
+            <a:schemeClr val="accent1"/>
+          </a:fillRef>
+          <a:effectRef idx="0">
+            <a:schemeClr val="accent1"/>
+          </a:effectRef>
+          <a:fontRef idx="minor">
+            <a:schemeClr val="lt1"/>
+          </a:fontRef>
+        </p:style>
+        <p:txBody>
+          <a:bodyPr rtlCol="0" anchor="ctr"/>
+          <a:lstStyle/>
+          <a:p>
+            <a:pPr algn="ctr"/>
+            <a:endParaRPr lang="el-GR"/>
+          </a:p>
+        </p:txBody>
+      </p:sp>
+    </p:spTree>
+    <p:extLst>
+      <p:ext uri="{BB962C8B-B14F-4D97-AF65-F5344CB8AC3E}">
+        <p14:creationId xmlns:p14="http://schemas.microsoft.com/office/powerpoint/2010/main" val="3234697206"/>
+      </p:ext>
+    </p:extLst>
+  </p:cSld>
+  <p:clrMapOvr>
+    <a:masterClrMapping/>
+  </p:clrMapOvr>
+</p:sld>
+</file>
+
+<file path=ppt/slides/slide35.xml><?xml version="1.0" encoding="utf-8"?>
+<p:sld xmlns:a="http://schemas.openxmlformats.org/drawingml/2006/main" xmlns:r="http://schemas.openxmlformats.org/officeDocument/2006/relationships" xmlns:p="http://schemas.openxmlformats.org/presentationml/2006/main">
+  <p:cSld>
+    <p:spTree>
+      <p:nvGrpSpPr>
+        <p:cNvPr id="1" name=""/>
+        <p:cNvGrpSpPr/>
+        <p:nvPr/>
+      </p:nvGrpSpPr>
+      <p:grpSpPr>
+        <a:xfrm>
+          <a:off x="0" y="0"/>
+          <a:ext cx="0" cy="0"/>
+          <a:chOff x="0" y="0"/>
+          <a:chExt cx="0" cy="0"/>
+        </a:xfrm>
+      </p:grpSpPr>
+      <p:sp>
+        <p:nvSpPr>
+          <p:cNvPr id="2" name="Τίτλος 1">
+            <a:extLst>
+              <a:ext uri="{FF2B5EF4-FFF2-40B4-BE49-F238E27FC236}">
+                <a16:creationId xmlns:a16="http://schemas.microsoft.com/office/drawing/2014/main" id="{8DBB315D-45CF-9D8C-88DE-76956EE8DF73}"/>
+              </a:ext>
+            </a:extLst>
+          </p:cNvPr>
+          <p:cNvSpPr>
+            <a:spLocks noGrp="1"/>
+          </p:cNvSpPr>
+          <p:nvPr>
+            <p:ph type="title"/>
+          </p:nvPr>
+        </p:nvSpPr>
+        <p:spPr/>
+        <p:txBody>
+          <a:bodyPr/>
+          <a:lstStyle/>
+          <a:p>
+            <a:r>
+              <a:rPr lang="el-GR" dirty="0" err="1"/>
+              <a:t>Παραδειγμα</a:t>
+            </a:r>
+            <a:r>
+              <a:rPr lang="el-GR" dirty="0"/>
+              <a:t> </a:t>
+            </a:r>
+            <a:r>
+              <a:rPr lang="el-GR" dirty="0" err="1"/>
+              <a:t>λειτουργιασ</a:t>
+            </a:r>
+            <a:r>
+              <a:rPr lang="en-US" dirty="0"/>
+              <a:t> 2</a:t>
+            </a:r>
+            <a:endParaRPr lang="el-GR" dirty="0"/>
+          </a:p>
+        </p:txBody>
+      </p:sp>
+      <p:pic>
+        <p:nvPicPr>
+          <p:cNvPr id="6" name="Θέση περιεχομένου 5" descr="Εικόνα που περιέχει κείμενο, στιγμιότυπο οθόνης, αριθμομηχανή&#10;&#10;Περιγραφή που δημιουργήθηκε αυτόματα">
+            <a:extLst>
+              <a:ext uri="{FF2B5EF4-FFF2-40B4-BE49-F238E27FC236}">
+                <a16:creationId xmlns:a16="http://schemas.microsoft.com/office/drawing/2014/main" id="{B92111FA-7440-89DF-8BD8-ED79541A4DA2}"/>
+              </a:ext>
+            </a:extLst>
+          </p:cNvPr>
+          <p:cNvPicPr>
+            <a:picLocks noGrp="1" noChangeAspect="1"/>
+          </p:cNvPicPr>
+          <p:nvPr>
+            <p:ph sz="half" idx="1"/>
+          </p:nvPr>
+        </p:nvPicPr>
+        <p:blipFill>
+          <a:blip r:embed="rId2"/>
+          <a:stretch>
+            <a:fillRect/>
+          </a:stretch>
+        </p:blipFill>
+        <p:spPr>
+          <a:xfrm>
+            <a:off x="2479920" y="2227263"/>
+            <a:ext cx="1625110" cy="3633787"/>
+          </a:xfrm>
+        </p:spPr>
+      </p:pic>
+      <p:sp>
+        <p:nvSpPr>
+          <p:cNvPr id="4" name="Θέση περιεχομένου 3">
+            <a:extLst>
+              <a:ext uri="{FF2B5EF4-FFF2-40B4-BE49-F238E27FC236}">
+                <a16:creationId xmlns:a16="http://schemas.microsoft.com/office/drawing/2014/main" id="{2FDEB908-8069-F4C0-666D-3D723DE8FADB}"/>
+              </a:ext>
+            </a:extLst>
+          </p:cNvPr>
+          <p:cNvSpPr>
+            <a:spLocks noGrp="1"/>
+          </p:cNvSpPr>
+          <p:nvPr>
+            <p:ph sz="half" idx="2"/>
+          </p:nvPr>
+        </p:nvSpPr>
+        <p:spPr/>
+        <p:txBody>
+          <a:bodyPr/>
+          <a:lstStyle/>
+          <a:p>
+            <a:r>
+              <a:rPr lang="el-GR" dirty="0"/>
+              <a:t>Στην οθόνη εμφανίζεται το ‘45’</a:t>
+            </a:r>
+          </a:p>
+          <a:p>
+            <a:r>
+              <a:rPr lang="el-GR" dirty="0"/>
+              <a:t>Πατάμε το πλήκτρο ‘</a:t>
+            </a:r>
+            <a:r>
+              <a:rPr lang="en-US" dirty="0" err="1"/>
+              <a:t>cos’</a:t>
+            </a:r>
+            <a:endParaRPr lang="el-GR" dirty="0"/>
+          </a:p>
+        </p:txBody>
+      </p:sp>
+      <p:sp>
+        <p:nvSpPr>
+          <p:cNvPr id="7" name="Οβάλ 6">
+            <a:extLst>
+              <a:ext uri="{FF2B5EF4-FFF2-40B4-BE49-F238E27FC236}">
+                <a16:creationId xmlns:a16="http://schemas.microsoft.com/office/drawing/2014/main" id="{E4E3EBDD-9A93-4A30-739A-90B81659CD57}"/>
+              </a:ext>
+            </a:extLst>
+          </p:cNvPr>
+          <p:cNvSpPr/>
+          <p:nvPr/>
+        </p:nvSpPr>
+        <p:spPr>
+          <a:xfrm>
+            <a:off x="3479165" y="3202781"/>
+            <a:ext cx="266700" cy="226219"/>
+          </a:xfrm>
+          <a:prstGeom prst="ellipse">
+            <a:avLst/>
+          </a:prstGeom>
+          <a:solidFill>
+            <a:srgbClr val="1A3260">
+              <a:alpha val="27059"/>
+            </a:srgbClr>
+          </a:solidFill>
+        </p:spPr>
+        <p:style>
+          <a:lnRef idx="2">
+            <a:schemeClr val="accent1">
+              <a:shade val="15000"/>
+            </a:schemeClr>
+          </a:lnRef>
+          <a:fillRef idx="1">
+            <a:schemeClr val="accent1"/>
+          </a:fillRef>
+          <a:effectRef idx="0">
+            <a:schemeClr val="accent1"/>
+          </a:effectRef>
+          <a:fontRef idx="minor">
+            <a:schemeClr val="lt1"/>
+          </a:fontRef>
+        </p:style>
+        <p:txBody>
+          <a:bodyPr rtlCol="0" anchor="ctr"/>
+          <a:lstStyle/>
+          <a:p>
+            <a:pPr algn="ctr"/>
+            <a:endParaRPr lang="el-GR"/>
+          </a:p>
+        </p:txBody>
+      </p:sp>
+    </p:spTree>
+    <p:extLst>
+      <p:ext uri="{BB962C8B-B14F-4D97-AF65-F5344CB8AC3E}">
+        <p14:creationId xmlns:p14="http://schemas.microsoft.com/office/powerpoint/2010/main" val="3917448621"/>
+      </p:ext>
+    </p:extLst>
+  </p:cSld>
+  <p:clrMapOvr>
+    <a:masterClrMapping/>
+  </p:clrMapOvr>
+</p:sld>
+</file>
+
+<file path=ppt/slides/slide36.xml><?xml version="1.0" encoding="utf-8"?>
+<p:sld xmlns:a="http://schemas.openxmlformats.org/drawingml/2006/main" xmlns:r="http://schemas.openxmlformats.org/officeDocument/2006/relationships" xmlns:p="http://schemas.openxmlformats.org/presentationml/2006/main">
+  <p:cSld>
+    <p:spTree>
+      <p:nvGrpSpPr>
+        <p:cNvPr id="1" name=""/>
+        <p:cNvGrpSpPr/>
+        <p:nvPr/>
+      </p:nvGrpSpPr>
+      <p:grpSpPr>
+        <a:xfrm>
+          <a:off x="0" y="0"/>
+          <a:ext cx="0" cy="0"/>
+          <a:chOff x="0" y="0"/>
+          <a:chExt cx="0" cy="0"/>
+        </a:xfrm>
+      </p:grpSpPr>
+      <p:sp>
+        <p:nvSpPr>
+          <p:cNvPr id="2" name="Τίτλος 1">
+            <a:extLst>
+              <a:ext uri="{FF2B5EF4-FFF2-40B4-BE49-F238E27FC236}">
+                <a16:creationId xmlns:a16="http://schemas.microsoft.com/office/drawing/2014/main" id="{04272772-73E7-9D2D-4707-A753D15C3A28}"/>
+              </a:ext>
+            </a:extLst>
+          </p:cNvPr>
+          <p:cNvSpPr>
+            <a:spLocks noGrp="1"/>
+          </p:cNvSpPr>
+          <p:nvPr>
+            <p:ph type="title"/>
+          </p:nvPr>
+        </p:nvSpPr>
+        <p:spPr/>
+        <p:txBody>
+          <a:bodyPr/>
+          <a:lstStyle/>
+          <a:p>
+            <a:r>
+              <a:rPr lang="el-GR" dirty="0" err="1"/>
+              <a:t>Παραδειγμα</a:t>
+            </a:r>
+            <a:r>
+              <a:rPr lang="el-GR" dirty="0"/>
+              <a:t> </a:t>
+            </a:r>
+            <a:r>
+              <a:rPr lang="el-GR" dirty="0" err="1"/>
+              <a:t>λειτουργιασ</a:t>
+            </a:r>
+            <a:r>
+              <a:rPr lang="en-US" dirty="0"/>
+              <a:t> 2</a:t>
+            </a:r>
+            <a:endParaRPr lang="el-GR" dirty="0"/>
+          </a:p>
+        </p:txBody>
+      </p:sp>
+      <p:pic>
+        <p:nvPicPr>
+          <p:cNvPr id="6" name="Θέση περιεχομένου 5" descr="Εικόνα που περιέχει κείμενο, στιγμιότυπο οθόνης, αριθμομηχανή&#10;&#10;Περιγραφή που δημιουργήθηκε αυτόματα">
+            <a:extLst>
+              <a:ext uri="{FF2B5EF4-FFF2-40B4-BE49-F238E27FC236}">
+                <a16:creationId xmlns:a16="http://schemas.microsoft.com/office/drawing/2014/main" id="{5DB742B1-A56A-9B76-5301-DA8C5DA17D14}"/>
+              </a:ext>
+            </a:extLst>
+          </p:cNvPr>
+          <p:cNvPicPr>
+            <a:picLocks noGrp="1" noChangeAspect="1"/>
+          </p:cNvPicPr>
+          <p:nvPr>
+            <p:ph sz="half" idx="1"/>
+          </p:nvPr>
+        </p:nvPicPr>
+        <p:blipFill>
+          <a:blip r:embed="rId2"/>
+          <a:stretch>
+            <a:fillRect/>
+          </a:stretch>
+        </p:blipFill>
+        <p:spPr>
+          <a:xfrm>
+            <a:off x="2477657" y="2227263"/>
+            <a:ext cx="1629636" cy="3633787"/>
+          </a:xfrm>
+        </p:spPr>
+      </p:pic>
+      <p:sp>
+        <p:nvSpPr>
+          <p:cNvPr id="4" name="Θέση περιεχομένου 3">
+            <a:extLst>
+              <a:ext uri="{FF2B5EF4-FFF2-40B4-BE49-F238E27FC236}">
+                <a16:creationId xmlns:a16="http://schemas.microsoft.com/office/drawing/2014/main" id="{21E4970F-A2A4-EEEB-2D98-8902FA4FF592}"/>
+              </a:ext>
+            </a:extLst>
+          </p:cNvPr>
+          <p:cNvSpPr>
+            <a:spLocks noGrp="1"/>
+          </p:cNvSpPr>
+          <p:nvPr>
+            <p:ph sz="half" idx="2"/>
+          </p:nvPr>
+        </p:nvSpPr>
+        <p:spPr/>
+        <p:txBody>
+          <a:bodyPr/>
+          <a:lstStyle/>
+          <a:p>
+            <a:r>
+              <a:rPr lang="el-GR" dirty="0"/>
+              <a:t>Στην οθόνη εμφανίζεται το συνημίτονο των 45 μοιρών, δηλαδή 0,707106781186548</a:t>
+            </a:r>
+          </a:p>
+          <a:p>
+            <a:r>
+              <a:rPr lang="el-GR" dirty="0"/>
+              <a:t>Πατάμε το πλήκτρο ‘</a:t>
+            </a:r>
+            <a:r>
+              <a:rPr lang="en-US" dirty="0"/>
+              <a:t>x</a:t>
+            </a:r>
+            <a:r>
+              <a:rPr lang="el-GR" dirty="0"/>
+              <a:t> ^ 2‘</a:t>
+            </a:r>
+            <a:r>
+              <a:rPr lang="en-US" dirty="0"/>
+              <a:t>.</a:t>
+            </a:r>
+            <a:endParaRPr lang="el-GR" dirty="0"/>
+          </a:p>
+          <a:p>
+            <a:endParaRPr lang="el-GR" dirty="0"/>
+          </a:p>
+        </p:txBody>
+      </p:sp>
+      <p:sp>
+        <p:nvSpPr>
+          <p:cNvPr id="3" name="Οβάλ 2">
+            <a:extLst>
+              <a:ext uri="{FF2B5EF4-FFF2-40B4-BE49-F238E27FC236}">
+                <a16:creationId xmlns:a16="http://schemas.microsoft.com/office/drawing/2014/main" id="{3BFD5617-CB5B-12CF-DA88-F8DE223CF883}"/>
+              </a:ext>
+            </a:extLst>
+          </p:cNvPr>
+          <p:cNvSpPr/>
+          <p:nvPr/>
+        </p:nvSpPr>
+        <p:spPr>
+          <a:xfrm>
+            <a:off x="2831465" y="3202781"/>
+            <a:ext cx="266700" cy="226219"/>
+          </a:xfrm>
+          <a:prstGeom prst="ellipse">
+            <a:avLst/>
+          </a:prstGeom>
+          <a:solidFill>
+            <a:srgbClr val="1A3260">
+              <a:alpha val="27059"/>
+            </a:srgbClr>
+          </a:solidFill>
+        </p:spPr>
+        <p:style>
+          <a:lnRef idx="2">
+            <a:schemeClr val="accent1">
+              <a:shade val="15000"/>
+            </a:schemeClr>
+          </a:lnRef>
+          <a:fillRef idx="1">
+            <a:schemeClr val="accent1"/>
+          </a:fillRef>
+          <a:effectRef idx="0">
+            <a:schemeClr val="accent1"/>
+          </a:effectRef>
+          <a:fontRef idx="minor">
+            <a:schemeClr val="lt1"/>
+          </a:fontRef>
+        </p:style>
+        <p:txBody>
+          <a:bodyPr rtlCol="0" anchor="ctr"/>
+          <a:lstStyle/>
+          <a:p>
+            <a:pPr algn="ctr"/>
+            <a:endParaRPr lang="el-GR"/>
+          </a:p>
+        </p:txBody>
+      </p:sp>
+    </p:spTree>
+    <p:extLst>
+      <p:ext uri="{BB962C8B-B14F-4D97-AF65-F5344CB8AC3E}">
+        <p14:creationId xmlns:p14="http://schemas.microsoft.com/office/powerpoint/2010/main" val="2705277422"/>
+      </p:ext>
+    </p:extLst>
+  </p:cSld>
+  <p:clrMapOvr>
+    <a:masterClrMapping/>
+  </p:clrMapOvr>
+</p:sld>
+</file>
+
+<file path=ppt/slides/slide37.xml><?xml version="1.0" encoding="utf-8"?>
+<p:sld xmlns:a="http://schemas.openxmlformats.org/drawingml/2006/main" xmlns:r="http://schemas.openxmlformats.org/officeDocument/2006/relationships" xmlns:p="http://schemas.openxmlformats.org/presentationml/2006/main">
+  <p:cSld>
+    <p:spTree>
+      <p:nvGrpSpPr>
+        <p:cNvPr id="1" name=""/>
+        <p:cNvGrpSpPr/>
+        <p:nvPr/>
+      </p:nvGrpSpPr>
+      <p:grpSpPr>
+        <a:xfrm>
+          <a:off x="0" y="0"/>
+          <a:ext cx="0" cy="0"/>
+          <a:chOff x="0" y="0"/>
+          <a:chExt cx="0" cy="0"/>
+        </a:xfrm>
+      </p:grpSpPr>
+      <p:sp>
+        <p:nvSpPr>
+          <p:cNvPr id="2" name="Τίτλος 1">
+            <a:extLst>
+              <a:ext uri="{FF2B5EF4-FFF2-40B4-BE49-F238E27FC236}">
+                <a16:creationId xmlns:a16="http://schemas.microsoft.com/office/drawing/2014/main" id="{E01A2AF9-AFA0-D3F2-DCF1-1E6E9868B5BC}"/>
+              </a:ext>
+            </a:extLst>
+          </p:cNvPr>
+          <p:cNvSpPr>
+            <a:spLocks noGrp="1"/>
+          </p:cNvSpPr>
+          <p:nvPr>
+            <p:ph type="title"/>
+          </p:nvPr>
+        </p:nvSpPr>
+        <p:spPr/>
+        <p:txBody>
+          <a:bodyPr/>
+          <a:lstStyle/>
+          <a:p>
+            <a:r>
+              <a:rPr lang="el-GR" dirty="0" err="1"/>
+              <a:t>Παραδειγμα</a:t>
+            </a:r>
+            <a:r>
+              <a:rPr lang="el-GR" dirty="0"/>
+              <a:t> </a:t>
+            </a:r>
+            <a:r>
+              <a:rPr lang="el-GR" dirty="0" err="1"/>
+              <a:t>λειτουργιασ</a:t>
+            </a:r>
+            <a:r>
+              <a:rPr lang="en-US" dirty="0"/>
+              <a:t> 2</a:t>
+            </a:r>
+            <a:endParaRPr lang="el-GR" dirty="0"/>
+          </a:p>
+        </p:txBody>
+      </p:sp>
+      <p:pic>
+        <p:nvPicPr>
+          <p:cNvPr id="6" name="Θέση περιεχομένου 5" descr="Εικόνα που περιέχει κείμενο, στιγμιότυπο οθόνης, αριθμομηχανή&#10;&#10;Περιγραφή που δημιουργήθηκε αυτόματα">
+            <a:extLst>
+              <a:ext uri="{FF2B5EF4-FFF2-40B4-BE49-F238E27FC236}">
+                <a16:creationId xmlns:a16="http://schemas.microsoft.com/office/drawing/2014/main" id="{E6F43D57-6BF7-C373-DC4F-840AC59DE8DF}"/>
+              </a:ext>
+            </a:extLst>
+          </p:cNvPr>
+          <p:cNvPicPr>
+            <a:picLocks noGrp="1" noChangeAspect="1"/>
+          </p:cNvPicPr>
+          <p:nvPr>
+            <p:ph sz="half" idx="1"/>
+          </p:nvPr>
+        </p:nvPicPr>
+        <p:blipFill>
+          <a:blip r:embed="rId2"/>
+          <a:stretch>
+            <a:fillRect/>
+          </a:stretch>
+        </p:blipFill>
+        <p:spPr>
+          <a:xfrm>
+            <a:off x="2479920" y="2227263"/>
+            <a:ext cx="1625110" cy="3633787"/>
+          </a:xfrm>
+        </p:spPr>
+      </p:pic>
+      <p:sp>
+        <p:nvSpPr>
+          <p:cNvPr id="4" name="Θέση περιεχομένου 3">
+            <a:extLst>
+              <a:ext uri="{FF2B5EF4-FFF2-40B4-BE49-F238E27FC236}">
+                <a16:creationId xmlns:a16="http://schemas.microsoft.com/office/drawing/2014/main" id="{22155380-2DBE-C53F-31FA-1155D3ECF596}"/>
+              </a:ext>
+            </a:extLst>
+          </p:cNvPr>
+          <p:cNvSpPr>
+            <a:spLocks noGrp="1"/>
+          </p:cNvSpPr>
+          <p:nvPr>
+            <p:ph sz="half" idx="2"/>
+          </p:nvPr>
+        </p:nvSpPr>
+        <p:spPr/>
+        <p:txBody>
+          <a:bodyPr/>
+          <a:lstStyle/>
+          <a:p>
+            <a:r>
+              <a:rPr lang="el-GR" dirty="0"/>
+              <a:t>Στην οθόνη εμφανίζεται το ‘0,5’, που είναι το αποτέλεσμα</a:t>
+            </a:r>
+          </a:p>
+          <a:p>
+            <a:r>
+              <a:rPr lang="el-GR" dirty="0"/>
+              <a:t>Πατάμε το πλήκτρο ‘=‘ για να αποθηκευτεί το αποτέλεσμα στη μνήμη</a:t>
+            </a:r>
+          </a:p>
+        </p:txBody>
+      </p:sp>
+      <p:sp>
+        <p:nvSpPr>
+          <p:cNvPr id="7" name="Οβάλ 6">
+            <a:extLst>
+              <a:ext uri="{FF2B5EF4-FFF2-40B4-BE49-F238E27FC236}">
+                <a16:creationId xmlns:a16="http://schemas.microsoft.com/office/drawing/2014/main" id="{021CE4FD-FD7C-DA78-EF99-D48E59988C1C}"/>
+              </a:ext>
+            </a:extLst>
+          </p:cNvPr>
+          <p:cNvSpPr/>
+          <p:nvPr/>
+        </p:nvSpPr>
+        <p:spPr>
+          <a:xfrm>
+            <a:off x="3800634" y="5584031"/>
+            <a:ext cx="266700" cy="226219"/>
+          </a:xfrm>
+          <a:prstGeom prst="ellipse">
+            <a:avLst/>
+          </a:prstGeom>
+          <a:solidFill>
+            <a:srgbClr val="1A3260">
+              <a:alpha val="27059"/>
+            </a:srgbClr>
+          </a:solidFill>
+        </p:spPr>
+        <p:style>
+          <a:lnRef idx="2">
+            <a:schemeClr val="accent1">
+              <a:shade val="15000"/>
+            </a:schemeClr>
+          </a:lnRef>
+          <a:fillRef idx="1">
+            <a:schemeClr val="accent1"/>
+          </a:fillRef>
+          <a:effectRef idx="0">
+            <a:schemeClr val="accent1"/>
+          </a:effectRef>
+          <a:fontRef idx="minor">
+            <a:schemeClr val="lt1"/>
+          </a:fontRef>
+        </p:style>
+        <p:txBody>
+          <a:bodyPr rtlCol="0" anchor="ctr"/>
+          <a:lstStyle/>
+          <a:p>
+            <a:pPr algn="ctr"/>
+            <a:endParaRPr lang="el-GR"/>
+          </a:p>
+        </p:txBody>
+      </p:sp>
+    </p:spTree>
+    <p:extLst>
+      <p:ext uri="{BB962C8B-B14F-4D97-AF65-F5344CB8AC3E}">
+        <p14:creationId xmlns:p14="http://schemas.microsoft.com/office/powerpoint/2010/main" val="55062380"/>
+      </p:ext>
+    </p:extLst>
+  </p:cSld>
+  <p:clrMapOvr>
+    <a:masterClrMapping/>
+  </p:clrMapOvr>
+</p:sld>
+</file>
+
+<file path=ppt/slides/slide38.xml><?xml version="1.0" encoding="utf-8"?>
+<p:sld xmlns:a="http://schemas.openxmlformats.org/drawingml/2006/main" xmlns:r="http://schemas.openxmlformats.org/officeDocument/2006/relationships" xmlns:p="http://schemas.openxmlformats.org/presentationml/2006/main">
+  <p:cSld>
+    <p:spTree>
+      <p:nvGrpSpPr>
+        <p:cNvPr id="1" name=""/>
+        <p:cNvGrpSpPr/>
+        <p:nvPr/>
+      </p:nvGrpSpPr>
+      <p:grpSpPr>
+        <a:xfrm>
+          <a:off x="0" y="0"/>
+          <a:ext cx="0" cy="0"/>
+          <a:chOff x="0" y="0"/>
+          <a:chExt cx="0" cy="0"/>
+        </a:xfrm>
+      </p:grpSpPr>
+      <p:sp>
+        <p:nvSpPr>
+          <p:cNvPr id="2" name="Τίτλος 1">
+            <a:extLst>
+              <a:ext uri="{FF2B5EF4-FFF2-40B4-BE49-F238E27FC236}">
+                <a16:creationId xmlns:a16="http://schemas.microsoft.com/office/drawing/2014/main" id="{E01A2AF9-AFA0-D3F2-DCF1-1E6E9868B5BC}"/>
+              </a:ext>
+            </a:extLst>
+          </p:cNvPr>
+          <p:cNvSpPr>
+            <a:spLocks noGrp="1"/>
+          </p:cNvSpPr>
+          <p:nvPr>
+            <p:ph type="title"/>
+          </p:nvPr>
+        </p:nvSpPr>
+        <p:spPr/>
+        <p:txBody>
+          <a:bodyPr/>
+          <a:lstStyle/>
+          <a:p>
+            <a:r>
+              <a:rPr lang="el-GR" dirty="0" err="1"/>
+              <a:t>Παραδειγμα</a:t>
+            </a:r>
+            <a:r>
+              <a:rPr lang="el-GR" dirty="0"/>
+              <a:t> </a:t>
+            </a:r>
+            <a:r>
+              <a:rPr lang="el-GR" dirty="0" err="1"/>
+              <a:t>λειτουργιασ</a:t>
+            </a:r>
+            <a:r>
+              <a:rPr lang="en-US" dirty="0"/>
+              <a:t> 2</a:t>
+            </a:r>
+            <a:endParaRPr lang="el-GR" dirty="0"/>
+          </a:p>
+        </p:txBody>
+      </p:sp>
+      <p:pic>
+        <p:nvPicPr>
+          <p:cNvPr id="6" name="Θέση περιεχομένου 5" descr="Εικόνα που περιέχει κείμενο, στιγμιότυπο οθόνης, αριθμομηχανή&#10;&#10;Περιγραφή που δημιουργήθηκε αυτόματα">
+            <a:extLst>
+              <a:ext uri="{FF2B5EF4-FFF2-40B4-BE49-F238E27FC236}">
+                <a16:creationId xmlns:a16="http://schemas.microsoft.com/office/drawing/2014/main" id="{E6F43D57-6BF7-C373-DC4F-840AC59DE8DF}"/>
+              </a:ext>
+            </a:extLst>
+          </p:cNvPr>
+          <p:cNvPicPr>
+            <a:picLocks noGrp="1" noChangeAspect="1"/>
+          </p:cNvPicPr>
+          <p:nvPr>
+            <p:ph sz="half" idx="1"/>
+          </p:nvPr>
+        </p:nvPicPr>
+        <p:blipFill>
+          <a:blip r:embed="rId2"/>
+          <a:stretch>
+            <a:fillRect/>
+          </a:stretch>
+        </p:blipFill>
+        <p:spPr>
+          <a:xfrm>
+            <a:off x="2479920" y="2227263"/>
+            <a:ext cx="1625110" cy="3633787"/>
+          </a:xfrm>
+        </p:spPr>
+      </p:pic>
+      <p:sp>
+        <p:nvSpPr>
+          <p:cNvPr id="4" name="Θέση περιεχομένου 3">
+            <a:extLst>
+              <a:ext uri="{FF2B5EF4-FFF2-40B4-BE49-F238E27FC236}">
+                <a16:creationId xmlns:a16="http://schemas.microsoft.com/office/drawing/2014/main" id="{22155380-2DBE-C53F-31FA-1155D3ECF596}"/>
+              </a:ext>
+            </a:extLst>
+          </p:cNvPr>
+          <p:cNvSpPr>
+            <a:spLocks noGrp="1"/>
+          </p:cNvSpPr>
+          <p:nvPr>
+            <p:ph sz="half" idx="2"/>
+          </p:nvPr>
+        </p:nvSpPr>
+        <p:spPr/>
+        <p:txBody>
+          <a:bodyPr/>
+          <a:lstStyle/>
+          <a:p>
+            <a:r>
+              <a:rPr lang="el-GR" dirty="0"/>
+              <a:t>Πατάμε το πλήκτρο ‘</a:t>
+            </a:r>
+            <a:r>
+              <a:rPr lang="en-US" dirty="0"/>
+              <a:t>GT</a:t>
+            </a:r>
+            <a:r>
+              <a:rPr lang="el-GR" dirty="0"/>
+              <a:t>‘ για να καλέσουμε τη λειτουργία Γενικού Συνόλου (</a:t>
+            </a:r>
+            <a:r>
+              <a:rPr lang="en-US" dirty="0"/>
+              <a:t>Grand Total)</a:t>
+            </a:r>
+            <a:endParaRPr lang="el-GR" dirty="0"/>
+          </a:p>
+        </p:txBody>
+      </p:sp>
+      <p:sp>
+        <p:nvSpPr>
+          <p:cNvPr id="7" name="Οβάλ 6">
+            <a:extLst>
+              <a:ext uri="{FF2B5EF4-FFF2-40B4-BE49-F238E27FC236}">
+                <a16:creationId xmlns:a16="http://schemas.microsoft.com/office/drawing/2014/main" id="{021CE4FD-FD7C-DA78-EF99-D48E59988C1C}"/>
+              </a:ext>
+            </a:extLst>
+          </p:cNvPr>
+          <p:cNvSpPr/>
+          <p:nvPr/>
+        </p:nvSpPr>
+        <p:spPr>
+          <a:xfrm>
+            <a:off x="3800634" y="2642711"/>
+            <a:ext cx="266700" cy="226219"/>
+          </a:xfrm>
+          <a:prstGeom prst="ellipse">
+            <a:avLst/>
+          </a:prstGeom>
+          <a:solidFill>
+            <a:srgbClr val="1A3260">
+              <a:alpha val="27059"/>
+            </a:srgbClr>
+          </a:solidFill>
+        </p:spPr>
+        <p:style>
+          <a:lnRef idx="2">
+            <a:schemeClr val="accent1">
+              <a:shade val="15000"/>
+            </a:schemeClr>
+          </a:lnRef>
+          <a:fillRef idx="1">
+            <a:schemeClr val="accent1"/>
+          </a:fillRef>
+          <a:effectRef idx="0">
+            <a:schemeClr val="accent1"/>
+          </a:effectRef>
+          <a:fontRef idx="minor">
+            <a:schemeClr val="lt1"/>
+          </a:fontRef>
+        </p:style>
+        <p:txBody>
+          <a:bodyPr rtlCol="0" anchor="ctr"/>
+          <a:lstStyle/>
+          <a:p>
+            <a:pPr algn="ctr"/>
+            <a:endParaRPr lang="el-GR"/>
+          </a:p>
+        </p:txBody>
+      </p:sp>
+    </p:spTree>
+    <p:extLst>
+      <p:ext uri="{BB962C8B-B14F-4D97-AF65-F5344CB8AC3E}">
+        <p14:creationId xmlns:p14="http://schemas.microsoft.com/office/powerpoint/2010/main" val="2409134714"/>
+      </p:ext>
+    </p:extLst>
+  </p:cSld>
+  <p:clrMapOvr>
+    <a:masterClrMapping/>
+  </p:clrMapOvr>
+</p:sld>
+</file>
+
+<file path=ppt/slides/slide39.xml><?xml version="1.0" encoding="utf-8"?>
+<p:sld xmlns:a="http://schemas.openxmlformats.org/drawingml/2006/main" xmlns:r="http://schemas.openxmlformats.org/officeDocument/2006/relationships" xmlns:p="http://schemas.openxmlformats.org/presentationml/2006/main">
+  <p:cSld>
+    <p:spTree>
+      <p:nvGrpSpPr>
+        <p:cNvPr id="1" name=""/>
+        <p:cNvGrpSpPr/>
+        <p:nvPr/>
+      </p:nvGrpSpPr>
+      <p:grpSpPr>
+        <a:xfrm>
+          <a:off x="0" y="0"/>
+          <a:ext cx="0" cy="0"/>
+          <a:chOff x="0" y="0"/>
+          <a:chExt cx="0" cy="0"/>
+        </a:xfrm>
+      </p:grpSpPr>
+      <p:sp>
+        <p:nvSpPr>
+          <p:cNvPr id="2" name="Τίτλος 1">
+            <a:extLst>
+              <a:ext uri="{FF2B5EF4-FFF2-40B4-BE49-F238E27FC236}">
+                <a16:creationId xmlns:a16="http://schemas.microsoft.com/office/drawing/2014/main" id="{3DA7A16F-7919-035E-89FA-5127168A28B5}"/>
+              </a:ext>
+            </a:extLst>
+          </p:cNvPr>
+          <p:cNvSpPr>
+            <a:spLocks noGrp="1"/>
+          </p:cNvSpPr>
+          <p:nvPr>
+            <p:ph type="title"/>
+          </p:nvPr>
+        </p:nvSpPr>
+        <p:spPr/>
+        <p:txBody>
+          <a:bodyPr/>
+          <a:lstStyle/>
+          <a:p>
+            <a:r>
+              <a:rPr lang="el-GR" dirty="0" err="1"/>
+              <a:t>Παραδειγμα</a:t>
+            </a:r>
+            <a:r>
+              <a:rPr lang="el-GR" dirty="0"/>
+              <a:t> </a:t>
+            </a:r>
+            <a:r>
+              <a:rPr lang="el-GR" dirty="0" err="1"/>
+              <a:t>λειτουργιασ</a:t>
+            </a:r>
+            <a:r>
+              <a:rPr lang="en-US" dirty="0"/>
+              <a:t> 2</a:t>
+            </a:r>
+            <a:endParaRPr lang="el-GR" dirty="0"/>
+          </a:p>
+        </p:txBody>
+      </p:sp>
+      <p:pic>
+        <p:nvPicPr>
+          <p:cNvPr id="6" name="Θέση περιεχομένου 5" descr="Εικόνα που περιέχει κείμενο, στιγμιότυπο οθόνης, αριθμομηχανή&#10;&#10;Περιγραφή που δημιουργήθηκε αυτόματα">
+            <a:extLst>
+              <a:ext uri="{FF2B5EF4-FFF2-40B4-BE49-F238E27FC236}">
+                <a16:creationId xmlns:a16="http://schemas.microsoft.com/office/drawing/2014/main" id="{F7B863F6-14DD-701E-6372-7837D89128AC}"/>
+              </a:ext>
+            </a:extLst>
+          </p:cNvPr>
+          <p:cNvPicPr>
+            <a:picLocks noGrp="1" noChangeAspect="1"/>
+          </p:cNvPicPr>
+          <p:nvPr>
+            <p:ph sz="half" idx="1"/>
+          </p:nvPr>
+        </p:nvPicPr>
+        <p:blipFill>
+          <a:blip r:embed="rId2"/>
+          <a:stretch>
+            <a:fillRect/>
+          </a:stretch>
+        </p:blipFill>
+        <p:spPr>
+          <a:xfrm>
+            <a:off x="2479920" y="2227263"/>
+            <a:ext cx="1625110" cy="3633787"/>
+          </a:xfrm>
+        </p:spPr>
+      </p:pic>
+      <p:sp>
+        <p:nvSpPr>
+          <p:cNvPr id="4" name="Θέση περιεχομένου 3">
+            <a:extLst>
+              <a:ext uri="{FF2B5EF4-FFF2-40B4-BE49-F238E27FC236}">
+                <a16:creationId xmlns:a16="http://schemas.microsoft.com/office/drawing/2014/main" id="{358975B9-E05B-6E5C-D1F3-099C4C1CDB55}"/>
+              </a:ext>
+            </a:extLst>
+          </p:cNvPr>
+          <p:cNvSpPr>
+            <a:spLocks noGrp="1"/>
+          </p:cNvSpPr>
+          <p:nvPr>
+            <p:ph sz="half" idx="2"/>
+          </p:nvPr>
+        </p:nvSpPr>
+        <p:spPr/>
+        <p:txBody>
+          <a:bodyPr/>
+          <a:lstStyle/>
+          <a:p>
+            <a:r>
+              <a:rPr lang="el-GR" dirty="0"/>
+              <a:t>Εμφανίζεται το αποτέλεσμα ‘1’ (0,5 + 0,5)</a:t>
+            </a:r>
+          </a:p>
+          <a:p>
+            <a:r>
+              <a:rPr lang="el-GR" dirty="0"/>
+              <a:t>Από τα μαθηματικά είναι γνωστό πως: </a:t>
+            </a:r>
+          </a:p>
+          <a:p>
+            <a:pPr marL="0" indent="0">
+              <a:buNone/>
+            </a:pPr>
+            <a:r>
+              <a:rPr lang="el-GR" dirty="0"/>
+              <a:t>	</a:t>
+            </a:r>
+            <a:r>
+              <a:rPr lang="el-GR" i="1" dirty="0"/>
+              <a:t>ημ</a:t>
+            </a:r>
+            <a:r>
+              <a:rPr lang="el-GR" i="1" baseline="30000" dirty="0"/>
+              <a:t>2 </a:t>
+            </a:r>
+            <a:r>
+              <a:rPr lang="el-GR" i="1" dirty="0"/>
+              <a:t>θ + συν</a:t>
+            </a:r>
+            <a:r>
+              <a:rPr lang="el-GR" i="1" baseline="30000" dirty="0"/>
+              <a:t>2 </a:t>
+            </a:r>
+            <a:r>
+              <a:rPr lang="el-GR" i="1" dirty="0"/>
+              <a:t>θ = 1</a:t>
+            </a:r>
+            <a:endParaRPr lang="el-GR" i="1" baseline="30000" dirty="0"/>
+          </a:p>
+        </p:txBody>
+      </p:sp>
+    </p:spTree>
+    <p:extLst>
+      <p:ext uri="{BB962C8B-B14F-4D97-AF65-F5344CB8AC3E}">
+        <p14:creationId xmlns:p14="http://schemas.microsoft.com/office/powerpoint/2010/main" val="284489981"/>
       </p:ext>
     </p:extLst>
   </p:cSld>
